--- a/ppt_template.pptx
+++ b/ppt_template.pptx
@@ -5,14 +5,17 @@
     <p:sldMasterId id="2147483648" r:id="rId4"/>
   </p:sldMasterIdLst>
   <p:notesMasterIdLst>
-    <p:notesMasterId r:id="rId7"/>
+    <p:notesMasterId r:id="rId10"/>
   </p:notesMasterIdLst>
   <p:handoutMasterIdLst>
-    <p:handoutMasterId r:id="rId8"/>
+    <p:handoutMasterId r:id="rId11"/>
   </p:handoutMasterIdLst>
   <p:sldIdLst>
-    <p:sldId id="337" r:id="rId5"/>
-    <p:sldId id="356" r:id="rId6"/>
+    <p:sldId id="357" r:id="rId5"/>
+    <p:sldId id="358" r:id="rId6"/>
+    <p:sldId id="359" r:id="rId7"/>
+    <p:sldId id="360" r:id="rId8"/>
+    <p:sldId id="356" r:id="rId9"/>
   </p:sldIdLst>
   <p:sldSz cx="9144000" cy="6858000" type="screen4x3"/>
   <p:notesSz cx="6858000" cy="9144000"/>
@@ -278,7 +281,7 @@
               <a:pPr>
                 <a:defRPr/>
               </a:pPr>
-              <a:t>30/10/2021</a:t>
+              <a:t>09/11/2021</a:t>
             </a:fld>
             <a:endParaRPr lang="it-IT"/>
           </a:p>
@@ -871,6 +874,373 @@
     </a:lvl9pPr>
   </p:notesStyle>
 </p:notesMaster>
+</file>
+
+<file path=ppt/notesSlides/notesSlide1.xml><?xml version="1.0" encoding="utf-8"?>
+<p:notes xmlns:a="http://schemas.openxmlformats.org/drawingml/2006/main" xmlns:r="http://schemas.openxmlformats.org/officeDocument/2006/relationships" xmlns:p="http://schemas.openxmlformats.org/presentationml/2006/main">
+  <p:cSld>
+    <p:spTree>
+      <p:nvGrpSpPr>
+        <p:cNvPr id="1" name=""/>
+        <p:cNvGrpSpPr/>
+        <p:nvPr/>
+      </p:nvGrpSpPr>
+      <p:grpSpPr>
+        <a:xfrm>
+          <a:off x="0" y="0"/>
+          <a:ext cx="0" cy="0"/>
+          <a:chOff x="0" y="0"/>
+          <a:chExt cx="0" cy="0"/>
+        </a:xfrm>
+      </p:grpSpPr>
+      <p:sp>
+        <p:nvSpPr>
+          <p:cNvPr id="2" name="Segnaposto immagine diapositiva 1"/>
+          <p:cNvSpPr>
+            <a:spLocks noGrp="1" noRot="1" noChangeAspect="1"/>
+          </p:cNvSpPr>
+          <p:nvPr>
+            <p:ph type="sldImg"/>
+          </p:nvPr>
+        </p:nvSpPr>
+        <p:spPr/>
+      </p:sp>
+      <p:sp>
+        <p:nvSpPr>
+          <p:cNvPr id="3" name="Segnaposto note 2"/>
+          <p:cNvSpPr>
+            <a:spLocks noGrp="1"/>
+          </p:cNvSpPr>
+          <p:nvPr>
+            <p:ph type="body" idx="1"/>
+          </p:nvPr>
+        </p:nvSpPr>
+        <p:spPr/>
+        <p:txBody>
+          <a:bodyPr/>
+          <a:lstStyle/>
+          <a:p>
+            <a:r>
+              <a:rPr lang="it-IT" dirty="0" err="1"/>
+              <a:t>Explain</a:t>
+            </a:r>
+            <a:r>
+              <a:rPr lang="it-IT" dirty="0"/>
+              <a:t> </a:t>
+            </a:r>
+            <a:r>
+              <a:rPr lang="it-IT" dirty="0" err="1"/>
+              <a:t>very</a:t>
+            </a:r>
+            <a:r>
+              <a:rPr lang="it-IT" dirty="0"/>
+              <a:t> </a:t>
+            </a:r>
+            <a:r>
+              <a:rPr lang="it-IT" dirty="0" err="1"/>
+              <a:t>briefly</a:t>
+            </a:r>
+            <a:r>
+              <a:rPr lang="it-IT" dirty="0"/>
+              <a:t> the theory </a:t>
+            </a:r>
+            <a:r>
+              <a:rPr lang="it-IT" dirty="0" err="1"/>
+              <a:t>you</a:t>
+            </a:r>
+            <a:r>
+              <a:rPr lang="it-IT" dirty="0"/>
+              <a:t> </a:t>
+            </a:r>
+            <a:r>
+              <a:rPr lang="it-IT" dirty="0" err="1"/>
+              <a:t>have</a:t>
+            </a:r>
+            <a:r>
+              <a:rPr lang="it-IT" dirty="0"/>
+              <a:t> </a:t>
+            </a:r>
+            <a:r>
+              <a:rPr lang="it-IT" dirty="0" err="1"/>
+              <a:t>based</a:t>
+            </a:r>
+            <a:r>
+              <a:rPr lang="it-IT" dirty="0"/>
+              <a:t> </a:t>
+            </a:r>
+            <a:r>
+              <a:rPr lang="it-IT" dirty="0" err="1"/>
+              <a:t>your</a:t>
+            </a:r>
+            <a:r>
+              <a:rPr lang="it-IT" dirty="0"/>
+              <a:t> </a:t>
+            </a:r>
+            <a:r>
+              <a:rPr lang="it-IT" dirty="0" err="1"/>
+              <a:t>solution</a:t>
+            </a:r>
+            <a:r>
+              <a:rPr lang="it-IT" dirty="0"/>
+              <a:t> on</a:t>
+            </a:r>
+            <a:endParaRPr lang="en-US" dirty="0"/>
+          </a:p>
+        </p:txBody>
+      </p:sp>
+      <p:sp>
+        <p:nvSpPr>
+          <p:cNvPr id="4" name="Segnaposto numero diapositiva 3"/>
+          <p:cNvSpPr>
+            <a:spLocks noGrp="1"/>
+          </p:cNvSpPr>
+          <p:nvPr>
+            <p:ph type="sldNum" sz="quarter" idx="5"/>
+          </p:nvPr>
+        </p:nvSpPr>
+        <p:spPr/>
+        <p:txBody>
+          <a:bodyPr/>
+          <a:lstStyle/>
+          <a:p>
+            <a:fld id="{E089B42F-5DF8-46B2-B64F-0F197D49EE0B}" type="slidenum">
+              <a:rPr lang="it-IT" altLang="it-IT" smtClean="0"/>
+              <a:pPr/>
+              <a:t>2</a:t>
+            </a:fld>
+            <a:endParaRPr lang="it-IT" altLang="it-IT"/>
+          </a:p>
+        </p:txBody>
+      </p:sp>
+    </p:spTree>
+    <p:extLst>
+      <p:ext uri="{BB962C8B-B14F-4D97-AF65-F5344CB8AC3E}">
+        <p14:creationId xmlns:p14="http://schemas.microsoft.com/office/powerpoint/2010/main" val="1567815697"/>
+      </p:ext>
+    </p:extLst>
+  </p:cSld>
+  <p:clrMapOvr>
+    <a:masterClrMapping/>
+  </p:clrMapOvr>
+</p:notes>
+</file>
+
+<file path=ppt/notesSlides/notesSlide2.xml><?xml version="1.0" encoding="utf-8"?>
+<p:notes xmlns:a="http://schemas.openxmlformats.org/drawingml/2006/main" xmlns:r="http://schemas.openxmlformats.org/officeDocument/2006/relationships" xmlns:p="http://schemas.openxmlformats.org/presentationml/2006/main">
+  <p:cSld>
+    <p:spTree>
+      <p:nvGrpSpPr>
+        <p:cNvPr id="1" name=""/>
+        <p:cNvGrpSpPr/>
+        <p:nvPr/>
+      </p:nvGrpSpPr>
+      <p:grpSpPr>
+        <a:xfrm>
+          <a:off x="0" y="0"/>
+          <a:ext cx="0" cy="0"/>
+          <a:chOff x="0" y="0"/>
+          <a:chExt cx="0" cy="0"/>
+        </a:xfrm>
+      </p:grpSpPr>
+      <p:sp>
+        <p:nvSpPr>
+          <p:cNvPr id="2" name="Segnaposto immagine diapositiva 1"/>
+          <p:cNvSpPr>
+            <a:spLocks noGrp="1" noRot="1" noChangeAspect="1"/>
+          </p:cNvSpPr>
+          <p:nvPr>
+            <p:ph type="sldImg"/>
+          </p:nvPr>
+        </p:nvSpPr>
+        <p:spPr/>
+      </p:sp>
+      <p:sp>
+        <p:nvSpPr>
+          <p:cNvPr id="3" name="Segnaposto note 2"/>
+          <p:cNvSpPr>
+            <a:spLocks noGrp="1"/>
+          </p:cNvSpPr>
+          <p:nvPr>
+            <p:ph type="body" idx="1"/>
+          </p:nvPr>
+        </p:nvSpPr>
+        <p:spPr/>
+        <p:txBody>
+          <a:bodyPr/>
+          <a:lstStyle/>
+          <a:p>
+            <a:r>
+              <a:rPr lang="it-IT" dirty="0"/>
+              <a:t>Introduce strategies, </a:t>
+            </a:r>
+            <a:r>
+              <a:rPr lang="it-IT" dirty="0" err="1"/>
+              <a:t>tests</a:t>
+            </a:r>
+            <a:r>
+              <a:rPr lang="it-IT" dirty="0"/>
+              <a:t>, and report debugging </a:t>
+            </a:r>
+            <a:r>
+              <a:rPr lang="it-IT" dirty="0" err="1"/>
+              <a:t>problems</a:t>
+            </a:r>
+            <a:r>
+              <a:rPr lang="it-IT" dirty="0"/>
+              <a:t>, compilation options</a:t>
+            </a:r>
+            <a:endParaRPr lang="en-US" dirty="0"/>
+          </a:p>
+        </p:txBody>
+      </p:sp>
+      <p:sp>
+        <p:nvSpPr>
+          <p:cNvPr id="4" name="Segnaposto numero diapositiva 3"/>
+          <p:cNvSpPr>
+            <a:spLocks noGrp="1"/>
+          </p:cNvSpPr>
+          <p:nvPr>
+            <p:ph type="sldNum" sz="quarter" idx="5"/>
+          </p:nvPr>
+        </p:nvSpPr>
+        <p:spPr/>
+        <p:txBody>
+          <a:bodyPr/>
+          <a:lstStyle/>
+          <a:p>
+            <a:fld id="{E089B42F-5DF8-46B2-B64F-0F197D49EE0B}" type="slidenum">
+              <a:rPr lang="it-IT" altLang="it-IT" smtClean="0"/>
+              <a:pPr/>
+              <a:t>3</a:t>
+            </a:fld>
+            <a:endParaRPr lang="it-IT" altLang="it-IT"/>
+          </a:p>
+        </p:txBody>
+      </p:sp>
+    </p:spTree>
+    <p:extLst>
+      <p:ext uri="{BB962C8B-B14F-4D97-AF65-F5344CB8AC3E}">
+        <p14:creationId xmlns:p14="http://schemas.microsoft.com/office/powerpoint/2010/main" val="1711727736"/>
+      </p:ext>
+    </p:extLst>
+  </p:cSld>
+  <p:clrMapOvr>
+    <a:masterClrMapping/>
+  </p:clrMapOvr>
+</p:notes>
+</file>
+
+<file path=ppt/notesSlides/notesSlide3.xml><?xml version="1.0" encoding="utf-8"?>
+<p:notes xmlns:a="http://schemas.openxmlformats.org/drawingml/2006/main" xmlns:r="http://schemas.openxmlformats.org/officeDocument/2006/relationships" xmlns:p="http://schemas.openxmlformats.org/presentationml/2006/main">
+  <p:cSld>
+    <p:spTree>
+      <p:nvGrpSpPr>
+        <p:cNvPr id="1" name=""/>
+        <p:cNvGrpSpPr/>
+        <p:nvPr/>
+      </p:nvGrpSpPr>
+      <p:grpSpPr>
+        <a:xfrm>
+          <a:off x="0" y="0"/>
+          <a:ext cx="0" cy="0"/>
+          <a:chOff x="0" y="0"/>
+          <a:chExt cx="0" cy="0"/>
+        </a:xfrm>
+      </p:grpSpPr>
+      <p:sp>
+        <p:nvSpPr>
+          <p:cNvPr id="2" name="Segnaposto immagine diapositiva 1"/>
+          <p:cNvSpPr>
+            <a:spLocks noGrp="1" noRot="1" noChangeAspect="1"/>
+          </p:cNvSpPr>
+          <p:nvPr>
+            <p:ph type="sldImg"/>
+          </p:nvPr>
+        </p:nvSpPr>
+        <p:spPr/>
+      </p:sp>
+      <p:sp>
+        <p:nvSpPr>
+          <p:cNvPr id="3" name="Segnaposto note 2"/>
+          <p:cNvSpPr>
+            <a:spLocks noGrp="1"/>
+          </p:cNvSpPr>
+          <p:nvPr>
+            <p:ph type="body" idx="1"/>
+          </p:nvPr>
+        </p:nvSpPr>
+        <p:spPr/>
+        <p:txBody>
+          <a:bodyPr/>
+          <a:lstStyle/>
+          <a:p>
+            <a:r>
+              <a:rPr lang="it-IT" dirty="0" err="1"/>
+              <a:t>Present</a:t>
+            </a:r>
+            <a:r>
+              <a:rPr lang="it-IT" dirty="0"/>
+              <a:t> data and </a:t>
+            </a:r>
+            <a:r>
+              <a:rPr lang="it-IT" dirty="0" err="1"/>
+              <a:t>explain</a:t>
+            </a:r>
+            <a:r>
+              <a:rPr lang="it-IT" dirty="0"/>
+              <a:t> </a:t>
+            </a:r>
+            <a:r>
+              <a:rPr lang="it-IT" dirty="0" err="1"/>
+              <a:t>your</a:t>
+            </a:r>
+            <a:r>
+              <a:rPr lang="it-IT" dirty="0"/>
+              <a:t> </a:t>
+            </a:r>
+            <a:r>
+              <a:rPr lang="it-IT"/>
+              <a:t>results</a:t>
+            </a:r>
+            <a:endParaRPr lang="en-US"/>
+          </a:p>
+        </p:txBody>
+      </p:sp>
+      <p:sp>
+        <p:nvSpPr>
+          <p:cNvPr id="4" name="Segnaposto numero diapositiva 3"/>
+          <p:cNvSpPr>
+            <a:spLocks noGrp="1"/>
+          </p:cNvSpPr>
+          <p:nvPr>
+            <p:ph type="sldNum" sz="quarter" idx="5"/>
+          </p:nvPr>
+        </p:nvSpPr>
+        <p:spPr/>
+        <p:txBody>
+          <a:bodyPr/>
+          <a:lstStyle/>
+          <a:p>
+            <a:fld id="{E089B42F-5DF8-46B2-B64F-0F197D49EE0B}" type="slidenum">
+              <a:rPr lang="it-IT" altLang="it-IT" smtClean="0"/>
+              <a:pPr/>
+              <a:t>4</a:t>
+            </a:fld>
+            <a:endParaRPr lang="it-IT" altLang="it-IT"/>
+          </a:p>
+        </p:txBody>
+      </p:sp>
+    </p:spTree>
+    <p:extLst>
+      <p:ext uri="{BB962C8B-B14F-4D97-AF65-F5344CB8AC3E}">
+        <p14:creationId xmlns:p14="http://schemas.microsoft.com/office/powerpoint/2010/main" val="2302913791"/>
+      </p:ext>
+    </p:extLst>
+  </p:cSld>
+  <p:clrMapOvr>
+    <a:masterClrMapping/>
+  </p:clrMapOvr>
+</p:notes>
 </file>
 
 <file path=ppt/slideLayouts/slideLayout1.xml><?xml version="1.0" encoding="utf-8"?>
@@ -3233,12 +3603,165 @@
           </a:p>
         </p:txBody>
       </p:sp>
+      <p:sp>
+        <p:nvSpPr>
+          <p:cNvPr id="3" name="Rettangolo 2">
+            <a:extLst>
+              <a:ext uri="{FF2B5EF4-FFF2-40B4-BE49-F238E27FC236}">
+                <a16:creationId xmlns:a16="http://schemas.microsoft.com/office/drawing/2014/main" id="{B2613320-53DF-4E92-BE38-65624D44622A}"/>
+              </a:ext>
+            </a:extLst>
+          </p:cNvPr>
+          <p:cNvSpPr/>
+          <p:nvPr/>
+        </p:nvSpPr>
+        <p:spPr>
+          <a:xfrm>
+            <a:off x="-901017" y="2117271"/>
+            <a:ext cx="10946033" cy="3477875"/>
+          </a:xfrm>
+          <a:prstGeom prst="rect">
+            <a:avLst/>
+          </a:prstGeom>
+          <a:noFill/>
+        </p:spPr>
+        <p:txBody>
+          <a:bodyPr wrap="square" lIns="91440" tIns="45720" rIns="91440" bIns="45720">
+            <a:spAutoFit/>
+          </a:bodyPr>
+          <a:lstStyle/>
+          <a:p>
+            <a:pPr algn="ctr"/>
+            <a:r>
+              <a:rPr lang="it-IT" sz="4000" b="0" dirty="0">
+                <a:ln w="0"/>
+                <a:solidFill>
+                  <a:srgbClr val="C00000"/>
+                </a:solidFill>
+                <a:effectLst>
+                  <a:outerShdw blurRad="38100" dist="19050" dir="2700000" algn="tl" rotWithShape="0">
+                    <a:schemeClr val="dk1">
+                      <a:alpha val="40000"/>
+                    </a:schemeClr>
+                  </a:outerShdw>
+                </a:effectLst>
+              </a:rPr>
+              <a:t>Quantum Information and Computing</a:t>
+            </a:r>
+          </a:p>
+          <a:p>
+            <a:pPr algn="ctr"/>
+            <a:r>
+              <a:rPr lang="it-IT" sz="3600" b="0" cap="none" spc="0" dirty="0">
+                <a:ln w="0"/>
+                <a:solidFill>
+                  <a:schemeClr val="tx1"/>
+                </a:solidFill>
+                <a:effectLst>
+                  <a:outerShdw blurRad="38100" dist="19050" dir="2700000" algn="tl" rotWithShape="0">
+                    <a:schemeClr val="dk1">
+                      <a:alpha val="40000"/>
+                    </a:schemeClr>
+                  </a:outerShdw>
+                </a:effectLst>
+              </a:rPr>
+              <a:t>2021 - 2022</a:t>
+            </a:r>
+          </a:p>
+          <a:p>
+            <a:pPr algn="ctr"/>
+            <a:endParaRPr lang="it-IT" sz="3600" b="0" cap="none" spc="0" dirty="0">
+              <a:ln w="0"/>
+              <a:solidFill>
+                <a:schemeClr val="tx1"/>
+              </a:solidFill>
+              <a:effectLst>
+                <a:outerShdw blurRad="38100" dist="19050" dir="2700000" algn="tl" rotWithShape="0">
+                  <a:schemeClr val="dk1">
+                    <a:alpha val="40000"/>
+                  </a:schemeClr>
+                </a:outerShdw>
+              </a:effectLst>
+            </a:endParaRPr>
+          </a:p>
+          <a:p>
+            <a:pPr algn="ctr"/>
+            <a:r>
+              <a:rPr lang="it-IT" sz="3600" b="0" cap="none" spc="0" dirty="0">
+                <a:ln w="0"/>
+                <a:solidFill>
+                  <a:schemeClr val="tx1"/>
+                </a:solidFill>
+                <a:effectLst>
+                  <a:outerShdw blurRad="38100" dist="19050" dir="2700000" algn="tl" rotWithShape="0">
+                    <a:schemeClr val="dk1">
+                      <a:alpha val="40000"/>
+                    </a:schemeClr>
+                  </a:outerShdw>
+                </a:effectLst>
+              </a:rPr>
+              <a:t>Saverio Monaco</a:t>
+            </a:r>
+          </a:p>
+          <a:p>
+            <a:pPr algn="ctr"/>
+            <a:r>
+              <a:rPr lang="it-IT" sz="3600" b="0" dirty="0">
+                <a:ln w="0"/>
+                <a:effectLst>
+                  <a:outerShdw blurRad="38100" dist="19050" dir="2700000" algn="tl" rotWithShape="0">
+                    <a:schemeClr val="dk1">
+                      <a:alpha val="40000"/>
+                    </a:schemeClr>
+                  </a:outerShdw>
+                </a:effectLst>
+              </a:rPr>
+              <a:t>Date</a:t>
+            </a:r>
+          </a:p>
+          <a:p>
+            <a:pPr algn="ctr"/>
+            <a:r>
+              <a:rPr lang="it-IT" sz="3600" b="0" cap="none" spc="0" dirty="0" err="1">
+                <a:ln w="0"/>
+                <a:solidFill>
+                  <a:schemeClr val="tx1"/>
+                </a:solidFill>
+                <a:effectLst>
+                  <a:outerShdw blurRad="38100" dist="19050" dir="2700000" algn="tl" rotWithShape="0">
+                    <a:schemeClr val="dk1">
+                      <a:alpha val="40000"/>
+                    </a:schemeClr>
+                  </a:outerShdw>
+                </a:effectLst>
+              </a:rPr>
+              <a:t>Exercise</a:t>
+            </a:r>
+            <a:r>
+              <a:rPr lang="it-IT" sz="3600" b="0" cap="none" spc="0" dirty="0">
+                <a:ln w="0"/>
+                <a:solidFill>
+                  <a:schemeClr val="tx1"/>
+                </a:solidFill>
+                <a:effectLst>
+                  <a:outerShdw blurRad="38100" dist="19050" dir="2700000" algn="tl" rotWithShape="0">
+                    <a:schemeClr val="dk1">
+                      <a:alpha val="40000"/>
+                    </a:schemeClr>
+                  </a:outerShdw>
+                </a:effectLst>
+              </a:rPr>
+              <a:t> #</a:t>
+            </a:r>
+          </a:p>
+        </p:txBody>
+      </p:sp>
       <p:pic>
         <p:nvPicPr>
-          <p:cNvPr id="2" name="Immagine 5">
+          <p:cNvPr id="5" name="Immagine 4">
             <a:extLst>
               <a:ext uri="{FF2B5EF4-FFF2-40B4-BE49-F238E27FC236}">
-                <a16:creationId xmlns:a16="http://schemas.microsoft.com/office/drawing/2014/main" id="{80E736ED-BE29-4B99-A646-17D7F6FABBBC}"/>
+                <a16:creationId xmlns:a16="http://schemas.microsoft.com/office/drawing/2014/main" id="{3561B627-DAE3-4A7A-8A43-EAB4507252E6}"/>
               </a:ext>
             </a:extLst>
           </p:cNvPr>
@@ -3248,15 +3771,21 @@
           <p:nvPr/>
         </p:nvPicPr>
         <p:blipFill>
-          <a:blip r:embed="rId2"/>
+          <a:blip r:embed="rId2">
+            <a:extLst>
+              <a:ext uri="{28A0092B-C50C-407E-A947-70E740481C1C}">
+                <a14:useLocalDpi xmlns:a14="http://schemas.microsoft.com/office/drawing/2010/main" val="0"/>
+              </a:ext>
+            </a:extLst>
+          </a:blip>
           <a:stretch>
             <a:fillRect/>
           </a:stretch>
         </p:blipFill>
         <p:spPr>
           <a:xfrm>
-            <a:off x="242558" y="5722728"/>
-            <a:ext cx="933450" cy="933450"/>
+            <a:off x="167368" y="5595146"/>
+            <a:ext cx="1617889" cy="1153031"/>
           </a:xfrm>
           <a:prstGeom prst="rect">
             <a:avLst/>
@@ -3264,6 +3793,11 @@
         </p:spPr>
       </p:pic>
     </p:spTree>
+    <p:extLst>
+      <p:ext uri="{BB962C8B-B14F-4D97-AF65-F5344CB8AC3E}">
+        <p14:creationId xmlns:p14="http://schemas.microsoft.com/office/powerpoint/2010/main" val="3407877446"/>
+      </p:ext>
+    </p:extLst>
   </p:cSld>
   <p:clrMapOvr>
     <a:masterClrMapping/>
@@ -3272,6 +3806,2029 @@
 </file>
 
 <file path=ppt/slides/slide2.xml><?xml version="1.0" encoding="utf-8"?>
+<p:sld xmlns:a="http://schemas.openxmlformats.org/drawingml/2006/main" xmlns:r="http://schemas.openxmlformats.org/officeDocument/2006/relationships" xmlns:p="http://schemas.openxmlformats.org/presentationml/2006/main">
+  <p:cSld>
+    <p:spTree>
+      <p:nvGrpSpPr>
+        <p:cNvPr id="1" name=""/>
+        <p:cNvGrpSpPr/>
+        <p:nvPr/>
+      </p:nvGrpSpPr>
+      <p:grpSpPr>
+        <a:xfrm>
+          <a:off x="0" y="0"/>
+          <a:ext cx="0" cy="0"/>
+          <a:chOff x="0" y="0"/>
+          <a:chExt cx="0" cy="0"/>
+        </a:xfrm>
+      </p:grpSpPr>
+      <p:sp>
+        <p:nvSpPr>
+          <p:cNvPr id="8194" name="CasellaDiTesto 10">
+            <a:extLst>
+              <a:ext uri="{FF2B5EF4-FFF2-40B4-BE49-F238E27FC236}">
+                <a16:creationId xmlns:a16="http://schemas.microsoft.com/office/drawing/2014/main" id="{ED32AF09-CF86-4D49-85E2-CC111B5F3D38}"/>
+              </a:ext>
+            </a:extLst>
+          </p:cNvPr>
+          <p:cNvSpPr txBox="1">
+            <a:spLocks noChangeArrowheads="1"/>
+          </p:cNvSpPr>
+          <p:nvPr/>
+        </p:nvSpPr>
+        <p:spPr bwMode="auto">
+          <a:xfrm>
+            <a:off x="2159000" y="361950"/>
+            <a:ext cx="0" cy="0"/>
+          </a:xfrm>
+          <a:prstGeom prst="rect">
+            <a:avLst/>
+          </a:prstGeom>
+          <a:noFill/>
+          <a:ln>
+            <a:noFill/>
+          </a:ln>
+          <a:extLst>
+            <a:ext uri="{909E8E84-426E-40DD-AFC4-6F175D3DCCD1}">
+              <a14:hiddenFill xmlns:a14="http://schemas.microsoft.com/office/drawing/2010/main">
+                <a:solidFill>
+                  <a:srgbClr val="FFFFFF"/>
+                </a:solidFill>
+              </a14:hiddenFill>
+            </a:ext>
+            <a:ext uri="{91240B29-F687-4F45-9708-019B960494DF}">
+              <a14:hiddenLine xmlns:a14="http://schemas.microsoft.com/office/drawing/2010/main" w="9525">
+                <a:solidFill>
+                  <a:srgbClr val="000000"/>
+                </a:solidFill>
+                <a:miter lim="800000"/>
+                <a:headEnd/>
+                <a:tailEnd/>
+              </a14:hiddenLine>
+            </a:ext>
+          </a:extLst>
+        </p:spPr>
+        <p:txBody>
+          <a:bodyPr wrap="none" tIns="180000" rIns="216000" anchor="ctr"/>
+          <a:lstStyle>
+            <a:lvl1pPr>
+              <a:spcBef>
+                <a:spcPct val="20000"/>
+              </a:spcBef>
+              <a:buChar char="•"/>
+              <a:defRPr sz="3200">
+                <a:solidFill>
+                  <a:schemeClr val="tx1"/>
+                </a:solidFill>
+                <a:latin typeface="Arial" panose="020B0604020202020204" pitchFamily="34" charset="0"/>
+              </a:defRPr>
+            </a:lvl1pPr>
+            <a:lvl2pPr marL="742950" indent="-285750">
+              <a:spcBef>
+                <a:spcPct val="20000"/>
+              </a:spcBef>
+              <a:buChar char="–"/>
+              <a:defRPr sz="2800">
+                <a:solidFill>
+                  <a:schemeClr val="tx1"/>
+                </a:solidFill>
+                <a:latin typeface="Arial" panose="020B0604020202020204" pitchFamily="34" charset="0"/>
+              </a:defRPr>
+            </a:lvl2pPr>
+            <a:lvl3pPr marL="1143000" indent="-228600">
+              <a:spcBef>
+                <a:spcPct val="20000"/>
+              </a:spcBef>
+              <a:buChar char="•"/>
+              <a:defRPr sz="2400">
+                <a:solidFill>
+                  <a:schemeClr val="tx1"/>
+                </a:solidFill>
+                <a:latin typeface="Arial" panose="020B0604020202020204" pitchFamily="34" charset="0"/>
+              </a:defRPr>
+            </a:lvl3pPr>
+            <a:lvl4pPr marL="1600200" indent="-228600">
+              <a:spcBef>
+                <a:spcPct val="20000"/>
+              </a:spcBef>
+              <a:buChar char="–"/>
+              <a:defRPr sz="2000">
+                <a:solidFill>
+                  <a:schemeClr val="tx1"/>
+                </a:solidFill>
+                <a:latin typeface="Arial" panose="020B0604020202020204" pitchFamily="34" charset="0"/>
+              </a:defRPr>
+            </a:lvl4pPr>
+            <a:lvl5pPr marL="2057400" indent="-228600">
+              <a:spcBef>
+                <a:spcPct val="20000"/>
+              </a:spcBef>
+              <a:buChar char="»"/>
+              <a:defRPr sz="2000">
+                <a:solidFill>
+                  <a:schemeClr val="tx1"/>
+                </a:solidFill>
+                <a:latin typeface="Arial" panose="020B0604020202020204" pitchFamily="34" charset="0"/>
+              </a:defRPr>
+            </a:lvl5pPr>
+            <a:lvl6pPr marL="2514600" indent="-228600" eaLnBrk="0" fontAlgn="base" hangingPunct="0">
+              <a:spcBef>
+                <a:spcPct val="20000"/>
+              </a:spcBef>
+              <a:spcAft>
+                <a:spcPct val="0"/>
+              </a:spcAft>
+              <a:buChar char="»"/>
+              <a:defRPr sz="2000">
+                <a:solidFill>
+                  <a:schemeClr val="tx1"/>
+                </a:solidFill>
+                <a:latin typeface="Arial" panose="020B0604020202020204" pitchFamily="34" charset="0"/>
+              </a:defRPr>
+            </a:lvl6pPr>
+            <a:lvl7pPr marL="2971800" indent="-228600" eaLnBrk="0" fontAlgn="base" hangingPunct="0">
+              <a:spcBef>
+                <a:spcPct val="20000"/>
+              </a:spcBef>
+              <a:spcAft>
+                <a:spcPct val="0"/>
+              </a:spcAft>
+              <a:buChar char="»"/>
+              <a:defRPr sz="2000">
+                <a:solidFill>
+                  <a:schemeClr val="tx1"/>
+                </a:solidFill>
+                <a:latin typeface="Arial" panose="020B0604020202020204" pitchFamily="34" charset="0"/>
+              </a:defRPr>
+            </a:lvl7pPr>
+            <a:lvl8pPr marL="3429000" indent="-228600" eaLnBrk="0" fontAlgn="base" hangingPunct="0">
+              <a:spcBef>
+                <a:spcPct val="20000"/>
+              </a:spcBef>
+              <a:spcAft>
+                <a:spcPct val="0"/>
+              </a:spcAft>
+              <a:buChar char="»"/>
+              <a:defRPr sz="2000">
+                <a:solidFill>
+                  <a:schemeClr val="tx1"/>
+                </a:solidFill>
+                <a:latin typeface="Arial" panose="020B0604020202020204" pitchFamily="34" charset="0"/>
+              </a:defRPr>
+            </a:lvl8pPr>
+            <a:lvl9pPr marL="3886200" indent="-228600" eaLnBrk="0" fontAlgn="base" hangingPunct="0">
+              <a:spcBef>
+                <a:spcPct val="20000"/>
+              </a:spcBef>
+              <a:spcAft>
+                <a:spcPct val="0"/>
+              </a:spcAft>
+              <a:buChar char="»"/>
+              <a:defRPr sz="2000">
+                <a:solidFill>
+                  <a:schemeClr val="tx1"/>
+                </a:solidFill>
+                <a:latin typeface="Arial" panose="020B0604020202020204" pitchFamily="34" charset="0"/>
+              </a:defRPr>
+            </a:lvl9pPr>
+          </a:lstStyle>
+          <a:p>
+            <a:pPr algn="r" eaLnBrk="1" hangingPunct="1">
+              <a:spcBef>
+                <a:spcPct val="0"/>
+              </a:spcBef>
+              <a:buFontTx/>
+              <a:buNone/>
+            </a:pPr>
+            <a:endParaRPr lang="it-IT" altLang="it-IT" sz="2800" b="0">
+              <a:solidFill>
+                <a:schemeClr val="bg1"/>
+              </a:solidFill>
+            </a:endParaRPr>
+          </a:p>
+        </p:txBody>
+      </p:sp>
+      <p:sp>
+        <p:nvSpPr>
+          <p:cNvPr id="8195" name="CasellaDiTesto 13">
+            <a:extLst>
+              <a:ext uri="{FF2B5EF4-FFF2-40B4-BE49-F238E27FC236}">
+                <a16:creationId xmlns:a16="http://schemas.microsoft.com/office/drawing/2014/main" id="{0D373E1D-380D-4868-9DBF-30318ECE993B}"/>
+              </a:ext>
+            </a:extLst>
+          </p:cNvPr>
+          <p:cNvSpPr txBox="1">
+            <a:spLocks noChangeArrowheads="1"/>
+          </p:cNvSpPr>
+          <p:nvPr/>
+        </p:nvSpPr>
+        <p:spPr bwMode="auto">
+          <a:xfrm>
+            <a:off x="8737600" y="412750"/>
+            <a:ext cx="0" cy="0"/>
+          </a:xfrm>
+          <a:prstGeom prst="rect">
+            <a:avLst/>
+          </a:prstGeom>
+          <a:noFill/>
+          <a:ln>
+            <a:noFill/>
+          </a:ln>
+          <a:extLst>
+            <a:ext uri="{909E8E84-426E-40DD-AFC4-6F175D3DCCD1}">
+              <a14:hiddenFill xmlns:a14="http://schemas.microsoft.com/office/drawing/2010/main">
+                <a:solidFill>
+                  <a:srgbClr val="FFFFFF"/>
+                </a:solidFill>
+              </a14:hiddenFill>
+            </a:ext>
+            <a:ext uri="{91240B29-F687-4F45-9708-019B960494DF}">
+              <a14:hiddenLine xmlns:a14="http://schemas.microsoft.com/office/drawing/2010/main" w="9525">
+                <a:solidFill>
+                  <a:srgbClr val="000000"/>
+                </a:solidFill>
+                <a:miter lim="800000"/>
+                <a:headEnd/>
+                <a:tailEnd/>
+              </a14:hiddenLine>
+            </a:ext>
+          </a:extLst>
+        </p:spPr>
+        <p:txBody>
+          <a:bodyPr wrap="none" tIns="180000" rIns="216000" anchor="ctr"/>
+          <a:lstStyle>
+            <a:lvl1pPr>
+              <a:spcBef>
+                <a:spcPct val="20000"/>
+              </a:spcBef>
+              <a:buChar char="•"/>
+              <a:defRPr sz="3200">
+                <a:solidFill>
+                  <a:schemeClr val="tx1"/>
+                </a:solidFill>
+                <a:latin typeface="Arial" panose="020B0604020202020204" pitchFamily="34" charset="0"/>
+              </a:defRPr>
+            </a:lvl1pPr>
+            <a:lvl2pPr marL="742950" indent="-285750">
+              <a:spcBef>
+                <a:spcPct val="20000"/>
+              </a:spcBef>
+              <a:buChar char="–"/>
+              <a:defRPr sz="2800">
+                <a:solidFill>
+                  <a:schemeClr val="tx1"/>
+                </a:solidFill>
+                <a:latin typeface="Arial" panose="020B0604020202020204" pitchFamily="34" charset="0"/>
+              </a:defRPr>
+            </a:lvl2pPr>
+            <a:lvl3pPr marL="1143000" indent="-228600">
+              <a:spcBef>
+                <a:spcPct val="20000"/>
+              </a:spcBef>
+              <a:buChar char="•"/>
+              <a:defRPr sz="2400">
+                <a:solidFill>
+                  <a:schemeClr val="tx1"/>
+                </a:solidFill>
+                <a:latin typeface="Arial" panose="020B0604020202020204" pitchFamily="34" charset="0"/>
+              </a:defRPr>
+            </a:lvl3pPr>
+            <a:lvl4pPr marL="1600200" indent="-228600">
+              <a:spcBef>
+                <a:spcPct val="20000"/>
+              </a:spcBef>
+              <a:buChar char="–"/>
+              <a:defRPr sz="2000">
+                <a:solidFill>
+                  <a:schemeClr val="tx1"/>
+                </a:solidFill>
+                <a:latin typeface="Arial" panose="020B0604020202020204" pitchFamily="34" charset="0"/>
+              </a:defRPr>
+            </a:lvl4pPr>
+            <a:lvl5pPr marL="2057400" indent="-228600">
+              <a:spcBef>
+                <a:spcPct val="20000"/>
+              </a:spcBef>
+              <a:buChar char="»"/>
+              <a:defRPr sz="2000">
+                <a:solidFill>
+                  <a:schemeClr val="tx1"/>
+                </a:solidFill>
+                <a:latin typeface="Arial" panose="020B0604020202020204" pitchFamily="34" charset="0"/>
+              </a:defRPr>
+            </a:lvl5pPr>
+            <a:lvl6pPr marL="2514600" indent="-228600" eaLnBrk="0" fontAlgn="base" hangingPunct="0">
+              <a:spcBef>
+                <a:spcPct val="20000"/>
+              </a:spcBef>
+              <a:spcAft>
+                <a:spcPct val="0"/>
+              </a:spcAft>
+              <a:buChar char="»"/>
+              <a:defRPr sz="2000">
+                <a:solidFill>
+                  <a:schemeClr val="tx1"/>
+                </a:solidFill>
+                <a:latin typeface="Arial" panose="020B0604020202020204" pitchFamily="34" charset="0"/>
+              </a:defRPr>
+            </a:lvl6pPr>
+            <a:lvl7pPr marL="2971800" indent="-228600" eaLnBrk="0" fontAlgn="base" hangingPunct="0">
+              <a:spcBef>
+                <a:spcPct val="20000"/>
+              </a:spcBef>
+              <a:spcAft>
+                <a:spcPct val="0"/>
+              </a:spcAft>
+              <a:buChar char="»"/>
+              <a:defRPr sz="2000">
+                <a:solidFill>
+                  <a:schemeClr val="tx1"/>
+                </a:solidFill>
+                <a:latin typeface="Arial" panose="020B0604020202020204" pitchFamily="34" charset="0"/>
+              </a:defRPr>
+            </a:lvl7pPr>
+            <a:lvl8pPr marL="3429000" indent="-228600" eaLnBrk="0" fontAlgn="base" hangingPunct="0">
+              <a:spcBef>
+                <a:spcPct val="20000"/>
+              </a:spcBef>
+              <a:spcAft>
+                <a:spcPct val="0"/>
+              </a:spcAft>
+              <a:buChar char="»"/>
+              <a:defRPr sz="2000">
+                <a:solidFill>
+                  <a:schemeClr val="tx1"/>
+                </a:solidFill>
+                <a:latin typeface="Arial" panose="020B0604020202020204" pitchFamily="34" charset="0"/>
+              </a:defRPr>
+            </a:lvl8pPr>
+            <a:lvl9pPr marL="3886200" indent="-228600" eaLnBrk="0" fontAlgn="base" hangingPunct="0">
+              <a:spcBef>
+                <a:spcPct val="20000"/>
+              </a:spcBef>
+              <a:spcAft>
+                <a:spcPct val="0"/>
+              </a:spcAft>
+              <a:buChar char="»"/>
+              <a:defRPr sz="2000">
+                <a:solidFill>
+                  <a:schemeClr val="tx1"/>
+                </a:solidFill>
+                <a:latin typeface="Arial" panose="020B0604020202020204" pitchFamily="34" charset="0"/>
+              </a:defRPr>
+            </a:lvl9pPr>
+          </a:lstStyle>
+          <a:p>
+            <a:pPr algn="r" eaLnBrk="1" hangingPunct="1">
+              <a:spcBef>
+                <a:spcPct val="0"/>
+              </a:spcBef>
+              <a:buFontTx/>
+              <a:buNone/>
+            </a:pPr>
+            <a:endParaRPr lang="it-IT" altLang="it-IT" sz="2800" b="0">
+              <a:solidFill>
+                <a:schemeClr val="bg1"/>
+              </a:solidFill>
+            </a:endParaRPr>
+          </a:p>
+        </p:txBody>
+      </p:sp>
+      <p:sp>
+        <p:nvSpPr>
+          <p:cNvPr id="8197" name="CasellaDiTesto 1">
+            <a:extLst>
+              <a:ext uri="{FF2B5EF4-FFF2-40B4-BE49-F238E27FC236}">
+                <a16:creationId xmlns:a16="http://schemas.microsoft.com/office/drawing/2014/main" id="{DABE2A0C-C977-463D-B219-FCD2A84DCF57}"/>
+              </a:ext>
+            </a:extLst>
+          </p:cNvPr>
+          <p:cNvSpPr txBox="1">
+            <a:spLocks noChangeArrowheads="1"/>
+          </p:cNvSpPr>
+          <p:nvPr/>
+        </p:nvSpPr>
+        <p:spPr bwMode="auto">
+          <a:xfrm>
+            <a:off x="-76200" y="481013"/>
+            <a:ext cx="0" cy="0"/>
+          </a:xfrm>
+          <a:prstGeom prst="rect">
+            <a:avLst/>
+          </a:prstGeom>
+          <a:noFill/>
+          <a:ln>
+            <a:noFill/>
+          </a:ln>
+          <a:extLst>
+            <a:ext uri="{909E8E84-426E-40DD-AFC4-6F175D3DCCD1}">
+              <a14:hiddenFill xmlns:a14="http://schemas.microsoft.com/office/drawing/2010/main">
+                <a:solidFill>
+                  <a:srgbClr val="FFFFFF"/>
+                </a:solidFill>
+              </a14:hiddenFill>
+            </a:ext>
+            <a:ext uri="{91240B29-F687-4F45-9708-019B960494DF}">
+              <a14:hiddenLine xmlns:a14="http://schemas.microsoft.com/office/drawing/2010/main" w="9525">
+                <a:solidFill>
+                  <a:srgbClr val="000000"/>
+                </a:solidFill>
+                <a:miter lim="800000"/>
+                <a:headEnd/>
+                <a:tailEnd/>
+              </a14:hiddenLine>
+            </a:ext>
+          </a:extLst>
+        </p:spPr>
+        <p:txBody>
+          <a:bodyPr wrap="none" tIns="180000" rIns="216000" anchor="ctr"/>
+          <a:lstStyle>
+            <a:lvl1pPr>
+              <a:spcBef>
+                <a:spcPct val="20000"/>
+              </a:spcBef>
+              <a:buChar char="•"/>
+              <a:defRPr sz="3200">
+                <a:solidFill>
+                  <a:schemeClr val="tx1"/>
+                </a:solidFill>
+                <a:latin typeface="Arial" panose="020B0604020202020204" pitchFamily="34" charset="0"/>
+              </a:defRPr>
+            </a:lvl1pPr>
+            <a:lvl2pPr marL="742950" indent="-285750">
+              <a:spcBef>
+                <a:spcPct val="20000"/>
+              </a:spcBef>
+              <a:buChar char="–"/>
+              <a:defRPr sz="2800">
+                <a:solidFill>
+                  <a:schemeClr val="tx1"/>
+                </a:solidFill>
+                <a:latin typeface="Arial" panose="020B0604020202020204" pitchFamily="34" charset="0"/>
+              </a:defRPr>
+            </a:lvl2pPr>
+            <a:lvl3pPr marL="1143000" indent="-228600">
+              <a:spcBef>
+                <a:spcPct val="20000"/>
+              </a:spcBef>
+              <a:buChar char="•"/>
+              <a:defRPr sz="2400">
+                <a:solidFill>
+                  <a:schemeClr val="tx1"/>
+                </a:solidFill>
+                <a:latin typeface="Arial" panose="020B0604020202020204" pitchFamily="34" charset="0"/>
+              </a:defRPr>
+            </a:lvl3pPr>
+            <a:lvl4pPr marL="1600200" indent="-228600">
+              <a:spcBef>
+                <a:spcPct val="20000"/>
+              </a:spcBef>
+              <a:buChar char="–"/>
+              <a:defRPr sz="2000">
+                <a:solidFill>
+                  <a:schemeClr val="tx1"/>
+                </a:solidFill>
+                <a:latin typeface="Arial" panose="020B0604020202020204" pitchFamily="34" charset="0"/>
+              </a:defRPr>
+            </a:lvl4pPr>
+            <a:lvl5pPr marL="2057400" indent="-228600">
+              <a:spcBef>
+                <a:spcPct val="20000"/>
+              </a:spcBef>
+              <a:buChar char="»"/>
+              <a:defRPr sz="2000">
+                <a:solidFill>
+                  <a:schemeClr val="tx1"/>
+                </a:solidFill>
+                <a:latin typeface="Arial" panose="020B0604020202020204" pitchFamily="34" charset="0"/>
+              </a:defRPr>
+            </a:lvl5pPr>
+            <a:lvl6pPr marL="2514600" indent="-228600" eaLnBrk="0" fontAlgn="base" hangingPunct="0">
+              <a:spcBef>
+                <a:spcPct val="20000"/>
+              </a:spcBef>
+              <a:spcAft>
+                <a:spcPct val="0"/>
+              </a:spcAft>
+              <a:buChar char="»"/>
+              <a:defRPr sz="2000">
+                <a:solidFill>
+                  <a:schemeClr val="tx1"/>
+                </a:solidFill>
+                <a:latin typeface="Arial" panose="020B0604020202020204" pitchFamily="34" charset="0"/>
+              </a:defRPr>
+            </a:lvl6pPr>
+            <a:lvl7pPr marL="2971800" indent="-228600" eaLnBrk="0" fontAlgn="base" hangingPunct="0">
+              <a:spcBef>
+                <a:spcPct val="20000"/>
+              </a:spcBef>
+              <a:spcAft>
+                <a:spcPct val="0"/>
+              </a:spcAft>
+              <a:buChar char="»"/>
+              <a:defRPr sz="2000">
+                <a:solidFill>
+                  <a:schemeClr val="tx1"/>
+                </a:solidFill>
+                <a:latin typeface="Arial" panose="020B0604020202020204" pitchFamily="34" charset="0"/>
+              </a:defRPr>
+            </a:lvl7pPr>
+            <a:lvl8pPr marL="3429000" indent="-228600" eaLnBrk="0" fontAlgn="base" hangingPunct="0">
+              <a:spcBef>
+                <a:spcPct val="20000"/>
+              </a:spcBef>
+              <a:spcAft>
+                <a:spcPct val="0"/>
+              </a:spcAft>
+              <a:buChar char="»"/>
+              <a:defRPr sz="2000">
+                <a:solidFill>
+                  <a:schemeClr val="tx1"/>
+                </a:solidFill>
+                <a:latin typeface="Arial" panose="020B0604020202020204" pitchFamily="34" charset="0"/>
+              </a:defRPr>
+            </a:lvl8pPr>
+            <a:lvl9pPr marL="3886200" indent="-228600" eaLnBrk="0" fontAlgn="base" hangingPunct="0">
+              <a:spcBef>
+                <a:spcPct val="20000"/>
+              </a:spcBef>
+              <a:spcAft>
+                <a:spcPct val="0"/>
+              </a:spcAft>
+              <a:buChar char="»"/>
+              <a:defRPr sz="2000">
+                <a:solidFill>
+                  <a:schemeClr val="tx1"/>
+                </a:solidFill>
+                <a:latin typeface="Arial" panose="020B0604020202020204" pitchFamily="34" charset="0"/>
+              </a:defRPr>
+            </a:lvl9pPr>
+          </a:lstStyle>
+          <a:p>
+            <a:pPr algn="r" eaLnBrk="1" hangingPunct="1">
+              <a:spcBef>
+                <a:spcPct val="0"/>
+              </a:spcBef>
+              <a:buFontTx/>
+              <a:buNone/>
+            </a:pPr>
+            <a:endParaRPr lang="it-IT" altLang="it-IT" sz="2800" b="0">
+              <a:solidFill>
+                <a:schemeClr val="bg1"/>
+              </a:solidFill>
+            </a:endParaRPr>
+          </a:p>
+        </p:txBody>
+      </p:sp>
+      <p:sp>
+        <p:nvSpPr>
+          <p:cNvPr id="2" name="Rettangolo 1">
+            <a:extLst>
+              <a:ext uri="{FF2B5EF4-FFF2-40B4-BE49-F238E27FC236}">
+                <a16:creationId xmlns:a16="http://schemas.microsoft.com/office/drawing/2014/main" id="{7A7A617F-E94E-45F3-BF7B-6B8D74AC8DA7}"/>
+              </a:ext>
+            </a:extLst>
+          </p:cNvPr>
+          <p:cNvSpPr/>
+          <p:nvPr/>
+        </p:nvSpPr>
+        <p:spPr>
+          <a:xfrm>
+            <a:off x="-96871" y="997020"/>
+            <a:ext cx="1957588" cy="677108"/>
+          </a:xfrm>
+          <a:prstGeom prst="rect">
+            <a:avLst/>
+          </a:prstGeom>
+          <a:solidFill>
+            <a:srgbClr val="B20F21"/>
+          </a:solidFill>
+        </p:spPr>
+        <p:txBody>
+          <a:bodyPr wrap="none" lIns="91440" tIns="45720" rIns="91440" bIns="45720">
+            <a:spAutoFit/>
+          </a:bodyPr>
+          <a:lstStyle/>
+          <a:p>
+            <a:pPr algn="ctr"/>
+            <a:r>
+              <a:rPr lang="it-IT" sz="3600" b="0" cap="none" spc="0" dirty="0">
+                <a:ln w="0"/>
+                <a:solidFill>
+                  <a:schemeClr val="tx1"/>
+                </a:solidFill>
+                <a:effectLst>
+                  <a:outerShdw blurRad="38100" dist="19050" dir="2700000" algn="tl" rotWithShape="0">
+                    <a:schemeClr val="dk1">
+                      <a:alpha val="40000"/>
+                    </a:schemeClr>
+                  </a:outerShdw>
+                </a:effectLst>
+              </a:rPr>
+              <a:t> </a:t>
+            </a:r>
+            <a:r>
+              <a:rPr lang="it-IT" sz="3800" b="0" cap="none" spc="0" dirty="0">
+                <a:ln w="0"/>
+                <a:solidFill>
+                  <a:schemeClr val="bg1"/>
+                </a:solidFill>
+                <a:effectLst>
+                  <a:outerShdw blurRad="38100" dist="19050" dir="2700000" algn="tl" rotWithShape="0">
+                    <a:schemeClr val="dk1">
+                      <a:alpha val="40000"/>
+                    </a:schemeClr>
+                  </a:outerShdw>
+                </a:effectLst>
+              </a:rPr>
+              <a:t>Theory</a:t>
+            </a:r>
+            <a:r>
+              <a:rPr lang="it-IT" sz="3600" b="0" cap="none" spc="0" dirty="0">
+                <a:ln w="0"/>
+                <a:solidFill>
+                  <a:schemeClr val="bg1"/>
+                </a:solidFill>
+                <a:effectLst>
+                  <a:outerShdw blurRad="38100" dist="19050" dir="2700000" algn="tl" rotWithShape="0">
+                    <a:schemeClr val="dk1">
+                      <a:alpha val="40000"/>
+                    </a:schemeClr>
+                  </a:outerShdw>
+                </a:effectLst>
+              </a:rPr>
+              <a:t> </a:t>
+            </a:r>
+          </a:p>
+        </p:txBody>
+      </p:sp>
+    </p:spTree>
+    <p:extLst>
+      <p:ext uri="{BB962C8B-B14F-4D97-AF65-F5344CB8AC3E}">
+        <p14:creationId xmlns:p14="http://schemas.microsoft.com/office/powerpoint/2010/main" val="3163117657"/>
+      </p:ext>
+    </p:extLst>
+  </p:cSld>
+  <p:clrMapOvr>
+    <a:masterClrMapping/>
+  </p:clrMapOvr>
+</p:sld>
+</file>
+
+<file path=ppt/slides/slide3.xml><?xml version="1.0" encoding="utf-8"?>
+<p:sld xmlns:a="http://schemas.openxmlformats.org/drawingml/2006/main" xmlns:r="http://schemas.openxmlformats.org/officeDocument/2006/relationships" xmlns:p="http://schemas.openxmlformats.org/presentationml/2006/main">
+  <p:cSld>
+    <p:spTree>
+      <p:nvGrpSpPr>
+        <p:cNvPr id="1" name=""/>
+        <p:cNvGrpSpPr/>
+        <p:nvPr/>
+      </p:nvGrpSpPr>
+      <p:grpSpPr>
+        <a:xfrm>
+          <a:off x="0" y="0"/>
+          <a:ext cx="0" cy="0"/>
+          <a:chOff x="0" y="0"/>
+          <a:chExt cx="0" cy="0"/>
+        </a:xfrm>
+      </p:grpSpPr>
+      <p:sp>
+        <p:nvSpPr>
+          <p:cNvPr id="8194" name="CasellaDiTesto 10">
+            <a:extLst>
+              <a:ext uri="{FF2B5EF4-FFF2-40B4-BE49-F238E27FC236}">
+                <a16:creationId xmlns:a16="http://schemas.microsoft.com/office/drawing/2014/main" id="{ED32AF09-CF86-4D49-85E2-CC111B5F3D38}"/>
+              </a:ext>
+            </a:extLst>
+          </p:cNvPr>
+          <p:cNvSpPr txBox="1">
+            <a:spLocks noChangeArrowheads="1"/>
+          </p:cNvSpPr>
+          <p:nvPr/>
+        </p:nvSpPr>
+        <p:spPr bwMode="auto">
+          <a:xfrm>
+            <a:off x="2159000" y="361950"/>
+            <a:ext cx="0" cy="0"/>
+          </a:xfrm>
+          <a:prstGeom prst="rect">
+            <a:avLst/>
+          </a:prstGeom>
+          <a:noFill/>
+          <a:ln>
+            <a:noFill/>
+          </a:ln>
+          <a:extLst>
+            <a:ext uri="{909E8E84-426E-40DD-AFC4-6F175D3DCCD1}">
+              <a14:hiddenFill xmlns:a14="http://schemas.microsoft.com/office/drawing/2010/main">
+                <a:solidFill>
+                  <a:srgbClr val="FFFFFF"/>
+                </a:solidFill>
+              </a14:hiddenFill>
+            </a:ext>
+            <a:ext uri="{91240B29-F687-4F45-9708-019B960494DF}">
+              <a14:hiddenLine xmlns:a14="http://schemas.microsoft.com/office/drawing/2010/main" w="9525">
+                <a:solidFill>
+                  <a:srgbClr val="000000"/>
+                </a:solidFill>
+                <a:miter lim="800000"/>
+                <a:headEnd/>
+                <a:tailEnd/>
+              </a14:hiddenLine>
+            </a:ext>
+          </a:extLst>
+        </p:spPr>
+        <p:txBody>
+          <a:bodyPr wrap="none" tIns="180000" rIns="216000" anchor="ctr"/>
+          <a:lstStyle>
+            <a:lvl1pPr>
+              <a:spcBef>
+                <a:spcPct val="20000"/>
+              </a:spcBef>
+              <a:buChar char="•"/>
+              <a:defRPr sz="3200">
+                <a:solidFill>
+                  <a:schemeClr val="tx1"/>
+                </a:solidFill>
+                <a:latin typeface="Arial" panose="020B0604020202020204" pitchFamily="34" charset="0"/>
+              </a:defRPr>
+            </a:lvl1pPr>
+            <a:lvl2pPr marL="742950" indent="-285750">
+              <a:spcBef>
+                <a:spcPct val="20000"/>
+              </a:spcBef>
+              <a:buChar char="–"/>
+              <a:defRPr sz="2800">
+                <a:solidFill>
+                  <a:schemeClr val="tx1"/>
+                </a:solidFill>
+                <a:latin typeface="Arial" panose="020B0604020202020204" pitchFamily="34" charset="0"/>
+              </a:defRPr>
+            </a:lvl2pPr>
+            <a:lvl3pPr marL="1143000" indent="-228600">
+              <a:spcBef>
+                <a:spcPct val="20000"/>
+              </a:spcBef>
+              <a:buChar char="•"/>
+              <a:defRPr sz="2400">
+                <a:solidFill>
+                  <a:schemeClr val="tx1"/>
+                </a:solidFill>
+                <a:latin typeface="Arial" panose="020B0604020202020204" pitchFamily="34" charset="0"/>
+              </a:defRPr>
+            </a:lvl3pPr>
+            <a:lvl4pPr marL="1600200" indent="-228600">
+              <a:spcBef>
+                <a:spcPct val="20000"/>
+              </a:spcBef>
+              <a:buChar char="–"/>
+              <a:defRPr sz="2000">
+                <a:solidFill>
+                  <a:schemeClr val="tx1"/>
+                </a:solidFill>
+                <a:latin typeface="Arial" panose="020B0604020202020204" pitchFamily="34" charset="0"/>
+              </a:defRPr>
+            </a:lvl4pPr>
+            <a:lvl5pPr marL="2057400" indent="-228600">
+              <a:spcBef>
+                <a:spcPct val="20000"/>
+              </a:spcBef>
+              <a:buChar char="»"/>
+              <a:defRPr sz="2000">
+                <a:solidFill>
+                  <a:schemeClr val="tx1"/>
+                </a:solidFill>
+                <a:latin typeface="Arial" panose="020B0604020202020204" pitchFamily="34" charset="0"/>
+              </a:defRPr>
+            </a:lvl5pPr>
+            <a:lvl6pPr marL="2514600" indent="-228600" eaLnBrk="0" fontAlgn="base" hangingPunct="0">
+              <a:spcBef>
+                <a:spcPct val="20000"/>
+              </a:spcBef>
+              <a:spcAft>
+                <a:spcPct val="0"/>
+              </a:spcAft>
+              <a:buChar char="»"/>
+              <a:defRPr sz="2000">
+                <a:solidFill>
+                  <a:schemeClr val="tx1"/>
+                </a:solidFill>
+                <a:latin typeface="Arial" panose="020B0604020202020204" pitchFamily="34" charset="0"/>
+              </a:defRPr>
+            </a:lvl6pPr>
+            <a:lvl7pPr marL="2971800" indent="-228600" eaLnBrk="0" fontAlgn="base" hangingPunct="0">
+              <a:spcBef>
+                <a:spcPct val="20000"/>
+              </a:spcBef>
+              <a:spcAft>
+                <a:spcPct val="0"/>
+              </a:spcAft>
+              <a:buChar char="»"/>
+              <a:defRPr sz="2000">
+                <a:solidFill>
+                  <a:schemeClr val="tx1"/>
+                </a:solidFill>
+                <a:latin typeface="Arial" panose="020B0604020202020204" pitchFamily="34" charset="0"/>
+              </a:defRPr>
+            </a:lvl7pPr>
+            <a:lvl8pPr marL="3429000" indent="-228600" eaLnBrk="0" fontAlgn="base" hangingPunct="0">
+              <a:spcBef>
+                <a:spcPct val="20000"/>
+              </a:spcBef>
+              <a:spcAft>
+                <a:spcPct val="0"/>
+              </a:spcAft>
+              <a:buChar char="»"/>
+              <a:defRPr sz="2000">
+                <a:solidFill>
+                  <a:schemeClr val="tx1"/>
+                </a:solidFill>
+                <a:latin typeface="Arial" panose="020B0604020202020204" pitchFamily="34" charset="0"/>
+              </a:defRPr>
+            </a:lvl8pPr>
+            <a:lvl9pPr marL="3886200" indent="-228600" eaLnBrk="0" fontAlgn="base" hangingPunct="0">
+              <a:spcBef>
+                <a:spcPct val="20000"/>
+              </a:spcBef>
+              <a:spcAft>
+                <a:spcPct val="0"/>
+              </a:spcAft>
+              <a:buChar char="»"/>
+              <a:defRPr sz="2000">
+                <a:solidFill>
+                  <a:schemeClr val="tx1"/>
+                </a:solidFill>
+                <a:latin typeface="Arial" panose="020B0604020202020204" pitchFamily="34" charset="0"/>
+              </a:defRPr>
+            </a:lvl9pPr>
+          </a:lstStyle>
+          <a:p>
+            <a:pPr algn="r" eaLnBrk="1" hangingPunct="1">
+              <a:spcBef>
+                <a:spcPct val="0"/>
+              </a:spcBef>
+              <a:buFontTx/>
+              <a:buNone/>
+            </a:pPr>
+            <a:endParaRPr lang="it-IT" altLang="it-IT" sz="2800" b="0">
+              <a:solidFill>
+                <a:schemeClr val="bg1"/>
+              </a:solidFill>
+            </a:endParaRPr>
+          </a:p>
+        </p:txBody>
+      </p:sp>
+      <p:sp>
+        <p:nvSpPr>
+          <p:cNvPr id="8195" name="CasellaDiTesto 13">
+            <a:extLst>
+              <a:ext uri="{FF2B5EF4-FFF2-40B4-BE49-F238E27FC236}">
+                <a16:creationId xmlns:a16="http://schemas.microsoft.com/office/drawing/2014/main" id="{0D373E1D-380D-4868-9DBF-30318ECE993B}"/>
+              </a:ext>
+            </a:extLst>
+          </p:cNvPr>
+          <p:cNvSpPr txBox="1">
+            <a:spLocks noChangeArrowheads="1"/>
+          </p:cNvSpPr>
+          <p:nvPr/>
+        </p:nvSpPr>
+        <p:spPr bwMode="auto">
+          <a:xfrm>
+            <a:off x="8737600" y="412750"/>
+            <a:ext cx="0" cy="0"/>
+          </a:xfrm>
+          <a:prstGeom prst="rect">
+            <a:avLst/>
+          </a:prstGeom>
+          <a:noFill/>
+          <a:ln>
+            <a:noFill/>
+          </a:ln>
+          <a:extLst>
+            <a:ext uri="{909E8E84-426E-40DD-AFC4-6F175D3DCCD1}">
+              <a14:hiddenFill xmlns:a14="http://schemas.microsoft.com/office/drawing/2010/main">
+                <a:solidFill>
+                  <a:srgbClr val="FFFFFF"/>
+                </a:solidFill>
+              </a14:hiddenFill>
+            </a:ext>
+            <a:ext uri="{91240B29-F687-4F45-9708-019B960494DF}">
+              <a14:hiddenLine xmlns:a14="http://schemas.microsoft.com/office/drawing/2010/main" w="9525">
+                <a:solidFill>
+                  <a:srgbClr val="000000"/>
+                </a:solidFill>
+                <a:miter lim="800000"/>
+                <a:headEnd/>
+                <a:tailEnd/>
+              </a14:hiddenLine>
+            </a:ext>
+          </a:extLst>
+        </p:spPr>
+        <p:txBody>
+          <a:bodyPr wrap="none" tIns="180000" rIns="216000" anchor="ctr"/>
+          <a:lstStyle>
+            <a:lvl1pPr>
+              <a:spcBef>
+                <a:spcPct val="20000"/>
+              </a:spcBef>
+              <a:buChar char="•"/>
+              <a:defRPr sz="3200">
+                <a:solidFill>
+                  <a:schemeClr val="tx1"/>
+                </a:solidFill>
+                <a:latin typeface="Arial" panose="020B0604020202020204" pitchFamily="34" charset="0"/>
+              </a:defRPr>
+            </a:lvl1pPr>
+            <a:lvl2pPr marL="742950" indent="-285750">
+              <a:spcBef>
+                <a:spcPct val="20000"/>
+              </a:spcBef>
+              <a:buChar char="–"/>
+              <a:defRPr sz="2800">
+                <a:solidFill>
+                  <a:schemeClr val="tx1"/>
+                </a:solidFill>
+                <a:latin typeface="Arial" panose="020B0604020202020204" pitchFamily="34" charset="0"/>
+              </a:defRPr>
+            </a:lvl2pPr>
+            <a:lvl3pPr marL="1143000" indent="-228600">
+              <a:spcBef>
+                <a:spcPct val="20000"/>
+              </a:spcBef>
+              <a:buChar char="•"/>
+              <a:defRPr sz="2400">
+                <a:solidFill>
+                  <a:schemeClr val="tx1"/>
+                </a:solidFill>
+                <a:latin typeface="Arial" panose="020B0604020202020204" pitchFamily="34" charset="0"/>
+              </a:defRPr>
+            </a:lvl3pPr>
+            <a:lvl4pPr marL="1600200" indent="-228600">
+              <a:spcBef>
+                <a:spcPct val="20000"/>
+              </a:spcBef>
+              <a:buChar char="–"/>
+              <a:defRPr sz="2000">
+                <a:solidFill>
+                  <a:schemeClr val="tx1"/>
+                </a:solidFill>
+                <a:latin typeface="Arial" panose="020B0604020202020204" pitchFamily="34" charset="0"/>
+              </a:defRPr>
+            </a:lvl4pPr>
+            <a:lvl5pPr marL="2057400" indent="-228600">
+              <a:spcBef>
+                <a:spcPct val="20000"/>
+              </a:spcBef>
+              <a:buChar char="»"/>
+              <a:defRPr sz="2000">
+                <a:solidFill>
+                  <a:schemeClr val="tx1"/>
+                </a:solidFill>
+                <a:latin typeface="Arial" panose="020B0604020202020204" pitchFamily="34" charset="0"/>
+              </a:defRPr>
+            </a:lvl5pPr>
+            <a:lvl6pPr marL="2514600" indent="-228600" eaLnBrk="0" fontAlgn="base" hangingPunct="0">
+              <a:spcBef>
+                <a:spcPct val="20000"/>
+              </a:spcBef>
+              <a:spcAft>
+                <a:spcPct val="0"/>
+              </a:spcAft>
+              <a:buChar char="»"/>
+              <a:defRPr sz="2000">
+                <a:solidFill>
+                  <a:schemeClr val="tx1"/>
+                </a:solidFill>
+                <a:latin typeface="Arial" panose="020B0604020202020204" pitchFamily="34" charset="0"/>
+              </a:defRPr>
+            </a:lvl6pPr>
+            <a:lvl7pPr marL="2971800" indent="-228600" eaLnBrk="0" fontAlgn="base" hangingPunct="0">
+              <a:spcBef>
+                <a:spcPct val="20000"/>
+              </a:spcBef>
+              <a:spcAft>
+                <a:spcPct val="0"/>
+              </a:spcAft>
+              <a:buChar char="»"/>
+              <a:defRPr sz="2000">
+                <a:solidFill>
+                  <a:schemeClr val="tx1"/>
+                </a:solidFill>
+                <a:latin typeface="Arial" panose="020B0604020202020204" pitchFamily="34" charset="0"/>
+              </a:defRPr>
+            </a:lvl7pPr>
+            <a:lvl8pPr marL="3429000" indent="-228600" eaLnBrk="0" fontAlgn="base" hangingPunct="0">
+              <a:spcBef>
+                <a:spcPct val="20000"/>
+              </a:spcBef>
+              <a:spcAft>
+                <a:spcPct val="0"/>
+              </a:spcAft>
+              <a:buChar char="»"/>
+              <a:defRPr sz="2000">
+                <a:solidFill>
+                  <a:schemeClr val="tx1"/>
+                </a:solidFill>
+                <a:latin typeface="Arial" panose="020B0604020202020204" pitchFamily="34" charset="0"/>
+              </a:defRPr>
+            </a:lvl8pPr>
+            <a:lvl9pPr marL="3886200" indent="-228600" eaLnBrk="0" fontAlgn="base" hangingPunct="0">
+              <a:spcBef>
+                <a:spcPct val="20000"/>
+              </a:spcBef>
+              <a:spcAft>
+                <a:spcPct val="0"/>
+              </a:spcAft>
+              <a:buChar char="»"/>
+              <a:defRPr sz="2000">
+                <a:solidFill>
+                  <a:schemeClr val="tx1"/>
+                </a:solidFill>
+                <a:latin typeface="Arial" panose="020B0604020202020204" pitchFamily="34" charset="0"/>
+              </a:defRPr>
+            </a:lvl9pPr>
+          </a:lstStyle>
+          <a:p>
+            <a:pPr algn="r" eaLnBrk="1" hangingPunct="1">
+              <a:spcBef>
+                <a:spcPct val="0"/>
+              </a:spcBef>
+              <a:buFontTx/>
+              <a:buNone/>
+            </a:pPr>
+            <a:endParaRPr lang="it-IT" altLang="it-IT" sz="2800" b="0">
+              <a:solidFill>
+                <a:schemeClr val="bg1"/>
+              </a:solidFill>
+            </a:endParaRPr>
+          </a:p>
+        </p:txBody>
+      </p:sp>
+      <p:sp>
+        <p:nvSpPr>
+          <p:cNvPr id="8197" name="CasellaDiTesto 1">
+            <a:extLst>
+              <a:ext uri="{FF2B5EF4-FFF2-40B4-BE49-F238E27FC236}">
+                <a16:creationId xmlns:a16="http://schemas.microsoft.com/office/drawing/2014/main" id="{DABE2A0C-C977-463D-B219-FCD2A84DCF57}"/>
+              </a:ext>
+            </a:extLst>
+          </p:cNvPr>
+          <p:cNvSpPr txBox="1">
+            <a:spLocks noChangeArrowheads="1"/>
+          </p:cNvSpPr>
+          <p:nvPr/>
+        </p:nvSpPr>
+        <p:spPr bwMode="auto">
+          <a:xfrm>
+            <a:off x="-76200" y="481013"/>
+            <a:ext cx="0" cy="0"/>
+          </a:xfrm>
+          <a:prstGeom prst="rect">
+            <a:avLst/>
+          </a:prstGeom>
+          <a:noFill/>
+          <a:ln>
+            <a:noFill/>
+          </a:ln>
+          <a:extLst>
+            <a:ext uri="{909E8E84-426E-40DD-AFC4-6F175D3DCCD1}">
+              <a14:hiddenFill xmlns:a14="http://schemas.microsoft.com/office/drawing/2010/main">
+                <a:solidFill>
+                  <a:srgbClr val="FFFFFF"/>
+                </a:solidFill>
+              </a14:hiddenFill>
+            </a:ext>
+            <a:ext uri="{91240B29-F687-4F45-9708-019B960494DF}">
+              <a14:hiddenLine xmlns:a14="http://schemas.microsoft.com/office/drawing/2010/main" w="9525">
+                <a:solidFill>
+                  <a:srgbClr val="000000"/>
+                </a:solidFill>
+                <a:miter lim="800000"/>
+                <a:headEnd/>
+                <a:tailEnd/>
+              </a14:hiddenLine>
+            </a:ext>
+          </a:extLst>
+        </p:spPr>
+        <p:txBody>
+          <a:bodyPr wrap="none" tIns="180000" rIns="216000" anchor="ctr"/>
+          <a:lstStyle>
+            <a:lvl1pPr>
+              <a:spcBef>
+                <a:spcPct val="20000"/>
+              </a:spcBef>
+              <a:buChar char="•"/>
+              <a:defRPr sz="3200">
+                <a:solidFill>
+                  <a:schemeClr val="tx1"/>
+                </a:solidFill>
+                <a:latin typeface="Arial" panose="020B0604020202020204" pitchFamily="34" charset="0"/>
+              </a:defRPr>
+            </a:lvl1pPr>
+            <a:lvl2pPr marL="742950" indent="-285750">
+              <a:spcBef>
+                <a:spcPct val="20000"/>
+              </a:spcBef>
+              <a:buChar char="–"/>
+              <a:defRPr sz="2800">
+                <a:solidFill>
+                  <a:schemeClr val="tx1"/>
+                </a:solidFill>
+                <a:latin typeface="Arial" panose="020B0604020202020204" pitchFamily="34" charset="0"/>
+              </a:defRPr>
+            </a:lvl2pPr>
+            <a:lvl3pPr marL="1143000" indent="-228600">
+              <a:spcBef>
+                <a:spcPct val="20000"/>
+              </a:spcBef>
+              <a:buChar char="•"/>
+              <a:defRPr sz="2400">
+                <a:solidFill>
+                  <a:schemeClr val="tx1"/>
+                </a:solidFill>
+                <a:latin typeface="Arial" panose="020B0604020202020204" pitchFamily="34" charset="0"/>
+              </a:defRPr>
+            </a:lvl3pPr>
+            <a:lvl4pPr marL="1600200" indent="-228600">
+              <a:spcBef>
+                <a:spcPct val="20000"/>
+              </a:spcBef>
+              <a:buChar char="–"/>
+              <a:defRPr sz="2000">
+                <a:solidFill>
+                  <a:schemeClr val="tx1"/>
+                </a:solidFill>
+                <a:latin typeface="Arial" panose="020B0604020202020204" pitchFamily="34" charset="0"/>
+              </a:defRPr>
+            </a:lvl4pPr>
+            <a:lvl5pPr marL="2057400" indent="-228600">
+              <a:spcBef>
+                <a:spcPct val="20000"/>
+              </a:spcBef>
+              <a:buChar char="»"/>
+              <a:defRPr sz="2000">
+                <a:solidFill>
+                  <a:schemeClr val="tx1"/>
+                </a:solidFill>
+                <a:latin typeface="Arial" panose="020B0604020202020204" pitchFamily="34" charset="0"/>
+              </a:defRPr>
+            </a:lvl5pPr>
+            <a:lvl6pPr marL="2514600" indent="-228600" eaLnBrk="0" fontAlgn="base" hangingPunct="0">
+              <a:spcBef>
+                <a:spcPct val="20000"/>
+              </a:spcBef>
+              <a:spcAft>
+                <a:spcPct val="0"/>
+              </a:spcAft>
+              <a:buChar char="»"/>
+              <a:defRPr sz="2000">
+                <a:solidFill>
+                  <a:schemeClr val="tx1"/>
+                </a:solidFill>
+                <a:latin typeface="Arial" panose="020B0604020202020204" pitchFamily="34" charset="0"/>
+              </a:defRPr>
+            </a:lvl6pPr>
+            <a:lvl7pPr marL="2971800" indent="-228600" eaLnBrk="0" fontAlgn="base" hangingPunct="0">
+              <a:spcBef>
+                <a:spcPct val="20000"/>
+              </a:spcBef>
+              <a:spcAft>
+                <a:spcPct val="0"/>
+              </a:spcAft>
+              <a:buChar char="»"/>
+              <a:defRPr sz="2000">
+                <a:solidFill>
+                  <a:schemeClr val="tx1"/>
+                </a:solidFill>
+                <a:latin typeface="Arial" panose="020B0604020202020204" pitchFamily="34" charset="0"/>
+              </a:defRPr>
+            </a:lvl7pPr>
+            <a:lvl8pPr marL="3429000" indent="-228600" eaLnBrk="0" fontAlgn="base" hangingPunct="0">
+              <a:spcBef>
+                <a:spcPct val="20000"/>
+              </a:spcBef>
+              <a:spcAft>
+                <a:spcPct val="0"/>
+              </a:spcAft>
+              <a:buChar char="»"/>
+              <a:defRPr sz="2000">
+                <a:solidFill>
+                  <a:schemeClr val="tx1"/>
+                </a:solidFill>
+                <a:latin typeface="Arial" panose="020B0604020202020204" pitchFamily="34" charset="0"/>
+              </a:defRPr>
+            </a:lvl8pPr>
+            <a:lvl9pPr marL="3886200" indent="-228600" eaLnBrk="0" fontAlgn="base" hangingPunct="0">
+              <a:spcBef>
+                <a:spcPct val="20000"/>
+              </a:spcBef>
+              <a:spcAft>
+                <a:spcPct val="0"/>
+              </a:spcAft>
+              <a:buChar char="»"/>
+              <a:defRPr sz="2000">
+                <a:solidFill>
+                  <a:schemeClr val="tx1"/>
+                </a:solidFill>
+                <a:latin typeface="Arial" panose="020B0604020202020204" pitchFamily="34" charset="0"/>
+              </a:defRPr>
+            </a:lvl9pPr>
+          </a:lstStyle>
+          <a:p>
+            <a:pPr algn="r" eaLnBrk="1" hangingPunct="1">
+              <a:spcBef>
+                <a:spcPct val="0"/>
+              </a:spcBef>
+              <a:buFontTx/>
+              <a:buNone/>
+            </a:pPr>
+            <a:endParaRPr lang="it-IT" altLang="it-IT" sz="2800" b="0">
+              <a:solidFill>
+                <a:schemeClr val="bg1"/>
+              </a:solidFill>
+            </a:endParaRPr>
+          </a:p>
+        </p:txBody>
+      </p:sp>
+      <p:sp>
+        <p:nvSpPr>
+          <p:cNvPr id="2" name="Rettangolo 1">
+            <a:extLst>
+              <a:ext uri="{FF2B5EF4-FFF2-40B4-BE49-F238E27FC236}">
+                <a16:creationId xmlns:a16="http://schemas.microsoft.com/office/drawing/2014/main" id="{7A7A617F-E94E-45F3-BF7B-6B8D74AC8DA7}"/>
+              </a:ext>
+            </a:extLst>
+          </p:cNvPr>
+          <p:cNvSpPr/>
+          <p:nvPr/>
+        </p:nvSpPr>
+        <p:spPr>
+          <a:xfrm>
+            <a:off x="-95206" y="997217"/>
+            <a:ext cx="4612160" cy="677108"/>
+          </a:xfrm>
+          <a:prstGeom prst="rect">
+            <a:avLst/>
+          </a:prstGeom>
+          <a:solidFill>
+            <a:srgbClr val="B20F21"/>
+          </a:solidFill>
+        </p:spPr>
+        <p:txBody>
+          <a:bodyPr wrap="none" lIns="91440" tIns="45720" rIns="91440" bIns="45720">
+            <a:spAutoFit/>
+          </a:bodyPr>
+          <a:lstStyle/>
+          <a:p>
+            <a:pPr algn="ctr"/>
+            <a:r>
+              <a:rPr lang="it-IT" sz="3600" b="0" cap="none" spc="0" dirty="0">
+                <a:ln w="0"/>
+                <a:solidFill>
+                  <a:schemeClr val="tx1"/>
+                </a:solidFill>
+                <a:effectLst>
+                  <a:outerShdw blurRad="38100" dist="19050" dir="2700000" algn="tl" rotWithShape="0">
+                    <a:schemeClr val="dk1">
+                      <a:alpha val="40000"/>
+                    </a:schemeClr>
+                  </a:outerShdw>
+                </a:effectLst>
+              </a:rPr>
+              <a:t> </a:t>
+            </a:r>
+            <a:r>
+              <a:rPr lang="it-IT" sz="3800" b="0" cap="none" spc="0" dirty="0">
+                <a:ln w="0"/>
+                <a:solidFill>
+                  <a:schemeClr val="bg1"/>
+                </a:solidFill>
+                <a:effectLst>
+                  <a:outerShdw blurRad="38100" dist="19050" dir="2700000" algn="tl" rotWithShape="0">
+                    <a:schemeClr val="dk1">
+                      <a:alpha val="40000"/>
+                    </a:schemeClr>
+                  </a:outerShdw>
+                </a:effectLst>
+              </a:rPr>
+              <a:t>Code Development</a:t>
+            </a:r>
+            <a:r>
+              <a:rPr lang="it-IT" sz="3600" b="0" cap="none" spc="0" dirty="0">
+                <a:ln w="0"/>
+                <a:solidFill>
+                  <a:schemeClr val="bg1"/>
+                </a:solidFill>
+                <a:effectLst>
+                  <a:outerShdw blurRad="38100" dist="19050" dir="2700000" algn="tl" rotWithShape="0">
+                    <a:schemeClr val="dk1">
+                      <a:alpha val="40000"/>
+                    </a:schemeClr>
+                  </a:outerShdw>
+                </a:effectLst>
+              </a:rPr>
+              <a:t> </a:t>
+            </a:r>
+          </a:p>
+        </p:txBody>
+      </p:sp>
+    </p:spTree>
+    <p:extLst>
+      <p:ext uri="{BB962C8B-B14F-4D97-AF65-F5344CB8AC3E}">
+        <p14:creationId xmlns:p14="http://schemas.microsoft.com/office/powerpoint/2010/main" val="1104752578"/>
+      </p:ext>
+    </p:extLst>
+  </p:cSld>
+  <p:clrMapOvr>
+    <a:masterClrMapping/>
+  </p:clrMapOvr>
+</p:sld>
+</file>
+
+<file path=ppt/slides/slide4.xml><?xml version="1.0" encoding="utf-8"?>
+<p:sld xmlns:a="http://schemas.openxmlformats.org/drawingml/2006/main" xmlns:r="http://schemas.openxmlformats.org/officeDocument/2006/relationships" xmlns:p="http://schemas.openxmlformats.org/presentationml/2006/main">
+  <p:cSld>
+    <p:spTree>
+      <p:nvGrpSpPr>
+        <p:cNvPr id="1" name=""/>
+        <p:cNvGrpSpPr/>
+        <p:nvPr/>
+      </p:nvGrpSpPr>
+      <p:grpSpPr>
+        <a:xfrm>
+          <a:off x="0" y="0"/>
+          <a:ext cx="0" cy="0"/>
+          <a:chOff x="0" y="0"/>
+          <a:chExt cx="0" cy="0"/>
+        </a:xfrm>
+      </p:grpSpPr>
+      <p:sp>
+        <p:nvSpPr>
+          <p:cNvPr id="8194" name="CasellaDiTesto 10">
+            <a:extLst>
+              <a:ext uri="{FF2B5EF4-FFF2-40B4-BE49-F238E27FC236}">
+                <a16:creationId xmlns:a16="http://schemas.microsoft.com/office/drawing/2014/main" id="{ED32AF09-CF86-4D49-85E2-CC111B5F3D38}"/>
+              </a:ext>
+            </a:extLst>
+          </p:cNvPr>
+          <p:cNvSpPr txBox="1">
+            <a:spLocks noChangeArrowheads="1"/>
+          </p:cNvSpPr>
+          <p:nvPr/>
+        </p:nvSpPr>
+        <p:spPr bwMode="auto">
+          <a:xfrm>
+            <a:off x="2159000" y="361950"/>
+            <a:ext cx="0" cy="0"/>
+          </a:xfrm>
+          <a:prstGeom prst="rect">
+            <a:avLst/>
+          </a:prstGeom>
+          <a:noFill/>
+          <a:ln>
+            <a:noFill/>
+          </a:ln>
+          <a:extLst>
+            <a:ext uri="{909E8E84-426E-40DD-AFC4-6F175D3DCCD1}">
+              <a14:hiddenFill xmlns:a14="http://schemas.microsoft.com/office/drawing/2010/main">
+                <a:solidFill>
+                  <a:srgbClr val="FFFFFF"/>
+                </a:solidFill>
+              </a14:hiddenFill>
+            </a:ext>
+            <a:ext uri="{91240B29-F687-4F45-9708-019B960494DF}">
+              <a14:hiddenLine xmlns:a14="http://schemas.microsoft.com/office/drawing/2010/main" w="9525">
+                <a:solidFill>
+                  <a:srgbClr val="000000"/>
+                </a:solidFill>
+                <a:miter lim="800000"/>
+                <a:headEnd/>
+                <a:tailEnd/>
+              </a14:hiddenLine>
+            </a:ext>
+          </a:extLst>
+        </p:spPr>
+        <p:txBody>
+          <a:bodyPr wrap="none" tIns="180000" rIns="216000" anchor="ctr"/>
+          <a:lstStyle>
+            <a:lvl1pPr>
+              <a:spcBef>
+                <a:spcPct val="20000"/>
+              </a:spcBef>
+              <a:buChar char="•"/>
+              <a:defRPr sz="3200">
+                <a:solidFill>
+                  <a:schemeClr val="tx1"/>
+                </a:solidFill>
+                <a:latin typeface="Arial" panose="020B0604020202020204" pitchFamily="34" charset="0"/>
+              </a:defRPr>
+            </a:lvl1pPr>
+            <a:lvl2pPr marL="742950" indent="-285750">
+              <a:spcBef>
+                <a:spcPct val="20000"/>
+              </a:spcBef>
+              <a:buChar char="–"/>
+              <a:defRPr sz="2800">
+                <a:solidFill>
+                  <a:schemeClr val="tx1"/>
+                </a:solidFill>
+                <a:latin typeface="Arial" panose="020B0604020202020204" pitchFamily="34" charset="0"/>
+              </a:defRPr>
+            </a:lvl2pPr>
+            <a:lvl3pPr marL="1143000" indent="-228600">
+              <a:spcBef>
+                <a:spcPct val="20000"/>
+              </a:spcBef>
+              <a:buChar char="•"/>
+              <a:defRPr sz="2400">
+                <a:solidFill>
+                  <a:schemeClr val="tx1"/>
+                </a:solidFill>
+                <a:latin typeface="Arial" panose="020B0604020202020204" pitchFamily="34" charset="0"/>
+              </a:defRPr>
+            </a:lvl3pPr>
+            <a:lvl4pPr marL="1600200" indent="-228600">
+              <a:spcBef>
+                <a:spcPct val="20000"/>
+              </a:spcBef>
+              <a:buChar char="–"/>
+              <a:defRPr sz="2000">
+                <a:solidFill>
+                  <a:schemeClr val="tx1"/>
+                </a:solidFill>
+                <a:latin typeface="Arial" panose="020B0604020202020204" pitchFamily="34" charset="0"/>
+              </a:defRPr>
+            </a:lvl4pPr>
+            <a:lvl5pPr marL="2057400" indent="-228600">
+              <a:spcBef>
+                <a:spcPct val="20000"/>
+              </a:spcBef>
+              <a:buChar char="»"/>
+              <a:defRPr sz="2000">
+                <a:solidFill>
+                  <a:schemeClr val="tx1"/>
+                </a:solidFill>
+                <a:latin typeface="Arial" panose="020B0604020202020204" pitchFamily="34" charset="0"/>
+              </a:defRPr>
+            </a:lvl5pPr>
+            <a:lvl6pPr marL="2514600" indent="-228600" eaLnBrk="0" fontAlgn="base" hangingPunct="0">
+              <a:spcBef>
+                <a:spcPct val="20000"/>
+              </a:spcBef>
+              <a:spcAft>
+                <a:spcPct val="0"/>
+              </a:spcAft>
+              <a:buChar char="»"/>
+              <a:defRPr sz="2000">
+                <a:solidFill>
+                  <a:schemeClr val="tx1"/>
+                </a:solidFill>
+                <a:latin typeface="Arial" panose="020B0604020202020204" pitchFamily="34" charset="0"/>
+              </a:defRPr>
+            </a:lvl6pPr>
+            <a:lvl7pPr marL="2971800" indent="-228600" eaLnBrk="0" fontAlgn="base" hangingPunct="0">
+              <a:spcBef>
+                <a:spcPct val="20000"/>
+              </a:spcBef>
+              <a:spcAft>
+                <a:spcPct val="0"/>
+              </a:spcAft>
+              <a:buChar char="»"/>
+              <a:defRPr sz="2000">
+                <a:solidFill>
+                  <a:schemeClr val="tx1"/>
+                </a:solidFill>
+                <a:latin typeface="Arial" panose="020B0604020202020204" pitchFamily="34" charset="0"/>
+              </a:defRPr>
+            </a:lvl7pPr>
+            <a:lvl8pPr marL="3429000" indent="-228600" eaLnBrk="0" fontAlgn="base" hangingPunct="0">
+              <a:spcBef>
+                <a:spcPct val="20000"/>
+              </a:spcBef>
+              <a:spcAft>
+                <a:spcPct val="0"/>
+              </a:spcAft>
+              <a:buChar char="»"/>
+              <a:defRPr sz="2000">
+                <a:solidFill>
+                  <a:schemeClr val="tx1"/>
+                </a:solidFill>
+                <a:latin typeface="Arial" panose="020B0604020202020204" pitchFamily="34" charset="0"/>
+              </a:defRPr>
+            </a:lvl8pPr>
+            <a:lvl9pPr marL="3886200" indent="-228600" eaLnBrk="0" fontAlgn="base" hangingPunct="0">
+              <a:spcBef>
+                <a:spcPct val="20000"/>
+              </a:spcBef>
+              <a:spcAft>
+                <a:spcPct val="0"/>
+              </a:spcAft>
+              <a:buChar char="»"/>
+              <a:defRPr sz="2000">
+                <a:solidFill>
+                  <a:schemeClr val="tx1"/>
+                </a:solidFill>
+                <a:latin typeface="Arial" panose="020B0604020202020204" pitchFamily="34" charset="0"/>
+              </a:defRPr>
+            </a:lvl9pPr>
+          </a:lstStyle>
+          <a:p>
+            <a:pPr algn="r" eaLnBrk="1" hangingPunct="1">
+              <a:spcBef>
+                <a:spcPct val="0"/>
+              </a:spcBef>
+              <a:buFontTx/>
+              <a:buNone/>
+            </a:pPr>
+            <a:endParaRPr lang="it-IT" altLang="it-IT" sz="2800" b="0">
+              <a:solidFill>
+                <a:schemeClr val="bg1"/>
+              </a:solidFill>
+            </a:endParaRPr>
+          </a:p>
+        </p:txBody>
+      </p:sp>
+      <p:sp>
+        <p:nvSpPr>
+          <p:cNvPr id="8195" name="CasellaDiTesto 13">
+            <a:extLst>
+              <a:ext uri="{FF2B5EF4-FFF2-40B4-BE49-F238E27FC236}">
+                <a16:creationId xmlns:a16="http://schemas.microsoft.com/office/drawing/2014/main" id="{0D373E1D-380D-4868-9DBF-30318ECE993B}"/>
+              </a:ext>
+            </a:extLst>
+          </p:cNvPr>
+          <p:cNvSpPr txBox="1">
+            <a:spLocks noChangeArrowheads="1"/>
+          </p:cNvSpPr>
+          <p:nvPr/>
+        </p:nvSpPr>
+        <p:spPr bwMode="auto">
+          <a:xfrm>
+            <a:off x="8737600" y="412750"/>
+            <a:ext cx="0" cy="0"/>
+          </a:xfrm>
+          <a:prstGeom prst="rect">
+            <a:avLst/>
+          </a:prstGeom>
+          <a:noFill/>
+          <a:ln>
+            <a:noFill/>
+          </a:ln>
+          <a:extLst>
+            <a:ext uri="{909E8E84-426E-40DD-AFC4-6F175D3DCCD1}">
+              <a14:hiddenFill xmlns:a14="http://schemas.microsoft.com/office/drawing/2010/main">
+                <a:solidFill>
+                  <a:srgbClr val="FFFFFF"/>
+                </a:solidFill>
+              </a14:hiddenFill>
+            </a:ext>
+            <a:ext uri="{91240B29-F687-4F45-9708-019B960494DF}">
+              <a14:hiddenLine xmlns:a14="http://schemas.microsoft.com/office/drawing/2010/main" w="9525">
+                <a:solidFill>
+                  <a:srgbClr val="000000"/>
+                </a:solidFill>
+                <a:miter lim="800000"/>
+                <a:headEnd/>
+                <a:tailEnd/>
+              </a14:hiddenLine>
+            </a:ext>
+          </a:extLst>
+        </p:spPr>
+        <p:txBody>
+          <a:bodyPr wrap="none" tIns="180000" rIns="216000" anchor="ctr"/>
+          <a:lstStyle>
+            <a:lvl1pPr>
+              <a:spcBef>
+                <a:spcPct val="20000"/>
+              </a:spcBef>
+              <a:buChar char="•"/>
+              <a:defRPr sz="3200">
+                <a:solidFill>
+                  <a:schemeClr val="tx1"/>
+                </a:solidFill>
+                <a:latin typeface="Arial" panose="020B0604020202020204" pitchFamily="34" charset="0"/>
+              </a:defRPr>
+            </a:lvl1pPr>
+            <a:lvl2pPr marL="742950" indent="-285750">
+              <a:spcBef>
+                <a:spcPct val="20000"/>
+              </a:spcBef>
+              <a:buChar char="–"/>
+              <a:defRPr sz="2800">
+                <a:solidFill>
+                  <a:schemeClr val="tx1"/>
+                </a:solidFill>
+                <a:latin typeface="Arial" panose="020B0604020202020204" pitchFamily="34" charset="0"/>
+              </a:defRPr>
+            </a:lvl2pPr>
+            <a:lvl3pPr marL="1143000" indent="-228600">
+              <a:spcBef>
+                <a:spcPct val="20000"/>
+              </a:spcBef>
+              <a:buChar char="•"/>
+              <a:defRPr sz="2400">
+                <a:solidFill>
+                  <a:schemeClr val="tx1"/>
+                </a:solidFill>
+                <a:latin typeface="Arial" panose="020B0604020202020204" pitchFamily="34" charset="0"/>
+              </a:defRPr>
+            </a:lvl3pPr>
+            <a:lvl4pPr marL="1600200" indent="-228600">
+              <a:spcBef>
+                <a:spcPct val="20000"/>
+              </a:spcBef>
+              <a:buChar char="–"/>
+              <a:defRPr sz="2000">
+                <a:solidFill>
+                  <a:schemeClr val="tx1"/>
+                </a:solidFill>
+                <a:latin typeface="Arial" panose="020B0604020202020204" pitchFamily="34" charset="0"/>
+              </a:defRPr>
+            </a:lvl4pPr>
+            <a:lvl5pPr marL="2057400" indent="-228600">
+              <a:spcBef>
+                <a:spcPct val="20000"/>
+              </a:spcBef>
+              <a:buChar char="»"/>
+              <a:defRPr sz="2000">
+                <a:solidFill>
+                  <a:schemeClr val="tx1"/>
+                </a:solidFill>
+                <a:latin typeface="Arial" panose="020B0604020202020204" pitchFamily="34" charset="0"/>
+              </a:defRPr>
+            </a:lvl5pPr>
+            <a:lvl6pPr marL="2514600" indent="-228600" eaLnBrk="0" fontAlgn="base" hangingPunct="0">
+              <a:spcBef>
+                <a:spcPct val="20000"/>
+              </a:spcBef>
+              <a:spcAft>
+                <a:spcPct val="0"/>
+              </a:spcAft>
+              <a:buChar char="»"/>
+              <a:defRPr sz="2000">
+                <a:solidFill>
+                  <a:schemeClr val="tx1"/>
+                </a:solidFill>
+                <a:latin typeface="Arial" panose="020B0604020202020204" pitchFamily="34" charset="0"/>
+              </a:defRPr>
+            </a:lvl6pPr>
+            <a:lvl7pPr marL="2971800" indent="-228600" eaLnBrk="0" fontAlgn="base" hangingPunct="0">
+              <a:spcBef>
+                <a:spcPct val="20000"/>
+              </a:spcBef>
+              <a:spcAft>
+                <a:spcPct val="0"/>
+              </a:spcAft>
+              <a:buChar char="»"/>
+              <a:defRPr sz="2000">
+                <a:solidFill>
+                  <a:schemeClr val="tx1"/>
+                </a:solidFill>
+                <a:latin typeface="Arial" panose="020B0604020202020204" pitchFamily="34" charset="0"/>
+              </a:defRPr>
+            </a:lvl7pPr>
+            <a:lvl8pPr marL="3429000" indent="-228600" eaLnBrk="0" fontAlgn="base" hangingPunct="0">
+              <a:spcBef>
+                <a:spcPct val="20000"/>
+              </a:spcBef>
+              <a:spcAft>
+                <a:spcPct val="0"/>
+              </a:spcAft>
+              <a:buChar char="»"/>
+              <a:defRPr sz="2000">
+                <a:solidFill>
+                  <a:schemeClr val="tx1"/>
+                </a:solidFill>
+                <a:latin typeface="Arial" panose="020B0604020202020204" pitchFamily="34" charset="0"/>
+              </a:defRPr>
+            </a:lvl8pPr>
+            <a:lvl9pPr marL="3886200" indent="-228600" eaLnBrk="0" fontAlgn="base" hangingPunct="0">
+              <a:spcBef>
+                <a:spcPct val="20000"/>
+              </a:spcBef>
+              <a:spcAft>
+                <a:spcPct val="0"/>
+              </a:spcAft>
+              <a:buChar char="»"/>
+              <a:defRPr sz="2000">
+                <a:solidFill>
+                  <a:schemeClr val="tx1"/>
+                </a:solidFill>
+                <a:latin typeface="Arial" panose="020B0604020202020204" pitchFamily="34" charset="0"/>
+              </a:defRPr>
+            </a:lvl9pPr>
+          </a:lstStyle>
+          <a:p>
+            <a:pPr algn="r" eaLnBrk="1" hangingPunct="1">
+              <a:spcBef>
+                <a:spcPct val="0"/>
+              </a:spcBef>
+              <a:buFontTx/>
+              <a:buNone/>
+            </a:pPr>
+            <a:endParaRPr lang="it-IT" altLang="it-IT" sz="2800" b="0">
+              <a:solidFill>
+                <a:schemeClr val="bg1"/>
+              </a:solidFill>
+            </a:endParaRPr>
+          </a:p>
+        </p:txBody>
+      </p:sp>
+      <p:sp>
+        <p:nvSpPr>
+          <p:cNvPr id="8197" name="CasellaDiTesto 1">
+            <a:extLst>
+              <a:ext uri="{FF2B5EF4-FFF2-40B4-BE49-F238E27FC236}">
+                <a16:creationId xmlns:a16="http://schemas.microsoft.com/office/drawing/2014/main" id="{DABE2A0C-C977-463D-B219-FCD2A84DCF57}"/>
+              </a:ext>
+            </a:extLst>
+          </p:cNvPr>
+          <p:cNvSpPr txBox="1">
+            <a:spLocks noChangeArrowheads="1"/>
+          </p:cNvSpPr>
+          <p:nvPr/>
+        </p:nvSpPr>
+        <p:spPr bwMode="auto">
+          <a:xfrm>
+            <a:off x="-76200" y="481013"/>
+            <a:ext cx="0" cy="0"/>
+          </a:xfrm>
+          <a:prstGeom prst="rect">
+            <a:avLst/>
+          </a:prstGeom>
+          <a:noFill/>
+          <a:ln>
+            <a:noFill/>
+          </a:ln>
+          <a:extLst>
+            <a:ext uri="{909E8E84-426E-40DD-AFC4-6F175D3DCCD1}">
+              <a14:hiddenFill xmlns:a14="http://schemas.microsoft.com/office/drawing/2010/main">
+                <a:solidFill>
+                  <a:srgbClr val="FFFFFF"/>
+                </a:solidFill>
+              </a14:hiddenFill>
+            </a:ext>
+            <a:ext uri="{91240B29-F687-4F45-9708-019B960494DF}">
+              <a14:hiddenLine xmlns:a14="http://schemas.microsoft.com/office/drawing/2010/main" w="9525">
+                <a:solidFill>
+                  <a:srgbClr val="000000"/>
+                </a:solidFill>
+                <a:miter lim="800000"/>
+                <a:headEnd/>
+                <a:tailEnd/>
+              </a14:hiddenLine>
+            </a:ext>
+          </a:extLst>
+        </p:spPr>
+        <p:txBody>
+          <a:bodyPr wrap="none" tIns="180000" rIns="216000" anchor="ctr"/>
+          <a:lstStyle>
+            <a:lvl1pPr>
+              <a:spcBef>
+                <a:spcPct val="20000"/>
+              </a:spcBef>
+              <a:buChar char="•"/>
+              <a:defRPr sz="3200">
+                <a:solidFill>
+                  <a:schemeClr val="tx1"/>
+                </a:solidFill>
+                <a:latin typeface="Arial" panose="020B0604020202020204" pitchFamily="34" charset="0"/>
+              </a:defRPr>
+            </a:lvl1pPr>
+            <a:lvl2pPr marL="742950" indent="-285750">
+              <a:spcBef>
+                <a:spcPct val="20000"/>
+              </a:spcBef>
+              <a:buChar char="–"/>
+              <a:defRPr sz="2800">
+                <a:solidFill>
+                  <a:schemeClr val="tx1"/>
+                </a:solidFill>
+                <a:latin typeface="Arial" panose="020B0604020202020204" pitchFamily="34" charset="0"/>
+              </a:defRPr>
+            </a:lvl2pPr>
+            <a:lvl3pPr marL="1143000" indent="-228600">
+              <a:spcBef>
+                <a:spcPct val="20000"/>
+              </a:spcBef>
+              <a:buChar char="•"/>
+              <a:defRPr sz="2400">
+                <a:solidFill>
+                  <a:schemeClr val="tx1"/>
+                </a:solidFill>
+                <a:latin typeface="Arial" panose="020B0604020202020204" pitchFamily="34" charset="0"/>
+              </a:defRPr>
+            </a:lvl3pPr>
+            <a:lvl4pPr marL="1600200" indent="-228600">
+              <a:spcBef>
+                <a:spcPct val="20000"/>
+              </a:spcBef>
+              <a:buChar char="–"/>
+              <a:defRPr sz="2000">
+                <a:solidFill>
+                  <a:schemeClr val="tx1"/>
+                </a:solidFill>
+                <a:latin typeface="Arial" panose="020B0604020202020204" pitchFamily="34" charset="0"/>
+              </a:defRPr>
+            </a:lvl4pPr>
+            <a:lvl5pPr marL="2057400" indent="-228600">
+              <a:spcBef>
+                <a:spcPct val="20000"/>
+              </a:spcBef>
+              <a:buChar char="»"/>
+              <a:defRPr sz="2000">
+                <a:solidFill>
+                  <a:schemeClr val="tx1"/>
+                </a:solidFill>
+                <a:latin typeface="Arial" panose="020B0604020202020204" pitchFamily="34" charset="0"/>
+              </a:defRPr>
+            </a:lvl5pPr>
+            <a:lvl6pPr marL="2514600" indent="-228600" eaLnBrk="0" fontAlgn="base" hangingPunct="0">
+              <a:spcBef>
+                <a:spcPct val="20000"/>
+              </a:spcBef>
+              <a:spcAft>
+                <a:spcPct val="0"/>
+              </a:spcAft>
+              <a:buChar char="»"/>
+              <a:defRPr sz="2000">
+                <a:solidFill>
+                  <a:schemeClr val="tx1"/>
+                </a:solidFill>
+                <a:latin typeface="Arial" panose="020B0604020202020204" pitchFamily="34" charset="0"/>
+              </a:defRPr>
+            </a:lvl6pPr>
+            <a:lvl7pPr marL="2971800" indent="-228600" eaLnBrk="0" fontAlgn="base" hangingPunct="0">
+              <a:spcBef>
+                <a:spcPct val="20000"/>
+              </a:spcBef>
+              <a:spcAft>
+                <a:spcPct val="0"/>
+              </a:spcAft>
+              <a:buChar char="»"/>
+              <a:defRPr sz="2000">
+                <a:solidFill>
+                  <a:schemeClr val="tx1"/>
+                </a:solidFill>
+                <a:latin typeface="Arial" panose="020B0604020202020204" pitchFamily="34" charset="0"/>
+              </a:defRPr>
+            </a:lvl7pPr>
+            <a:lvl8pPr marL="3429000" indent="-228600" eaLnBrk="0" fontAlgn="base" hangingPunct="0">
+              <a:spcBef>
+                <a:spcPct val="20000"/>
+              </a:spcBef>
+              <a:spcAft>
+                <a:spcPct val="0"/>
+              </a:spcAft>
+              <a:buChar char="»"/>
+              <a:defRPr sz="2000">
+                <a:solidFill>
+                  <a:schemeClr val="tx1"/>
+                </a:solidFill>
+                <a:latin typeface="Arial" panose="020B0604020202020204" pitchFamily="34" charset="0"/>
+              </a:defRPr>
+            </a:lvl8pPr>
+            <a:lvl9pPr marL="3886200" indent="-228600" eaLnBrk="0" fontAlgn="base" hangingPunct="0">
+              <a:spcBef>
+                <a:spcPct val="20000"/>
+              </a:spcBef>
+              <a:spcAft>
+                <a:spcPct val="0"/>
+              </a:spcAft>
+              <a:buChar char="»"/>
+              <a:defRPr sz="2000">
+                <a:solidFill>
+                  <a:schemeClr val="tx1"/>
+                </a:solidFill>
+                <a:latin typeface="Arial" panose="020B0604020202020204" pitchFamily="34" charset="0"/>
+              </a:defRPr>
+            </a:lvl9pPr>
+          </a:lstStyle>
+          <a:p>
+            <a:pPr algn="r" eaLnBrk="1" hangingPunct="1">
+              <a:spcBef>
+                <a:spcPct val="0"/>
+              </a:spcBef>
+              <a:buFontTx/>
+              <a:buNone/>
+            </a:pPr>
+            <a:endParaRPr lang="it-IT" altLang="it-IT" sz="2800" b="0">
+              <a:solidFill>
+                <a:schemeClr val="bg1"/>
+              </a:solidFill>
+            </a:endParaRPr>
+          </a:p>
+        </p:txBody>
+      </p:sp>
+      <p:sp>
+        <p:nvSpPr>
+          <p:cNvPr id="2" name="Rettangolo 1">
+            <a:extLst>
+              <a:ext uri="{FF2B5EF4-FFF2-40B4-BE49-F238E27FC236}">
+                <a16:creationId xmlns:a16="http://schemas.microsoft.com/office/drawing/2014/main" id="{7A7A617F-E94E-45F3-BF7B-6B8D74AC8DA7}"/>
+              </a:ext>
+            </a:extLst>
+          </p:cNvPr>
+          <p:cNvSpPr/>
+          <p:nvPr/>
+        </p:nvSpPr>
+        <p:spPr>
+          <a:xfrm>
+            <a:off x="-94704" y="991675"/>
+            <a:ext cx="2073003" cy="677108"/>
+          </a:xfrm>
+          <a:prstGeom prst="rect">
+            <a:avLst/>
+          </a:prstGeom>
+          <a:solidFill>
+            <a:srgbClr val="B20F21"/>
+          </a:solidFill>
+        </p:spPr>
+        <p:txBody>
+          <a:bodyPr wrap="none" lIns="91440" tIns="45720" rIns="91440" bIns="45720">
+            <a:spAutoFit/>
+          </a:bodyPr>
+          <a:lstStyle/>
+          <a:p>
+            <a:pPr algn="ctr"/>
+            <a:r>
+              <a:rPr lang="it-IT" sz="3600" b="0" cap="none" spc="0" dirty="0">
+                <a:ln w="0"/>
+                <a:solidFill>
+                  <a:schemeClr val="tx1"/>
+                </a:solidFill>
+                <a:effectLst>
+                  <a:outerShdw blurRad="38100" dist="19050" dir="2700000" algn="tl" rotWithShape="0">
+                    <a:schemeClr val="dk1">
+                      <a:alpha val="40000"/>
+                    </a:schemeClr>
+                  </a:outerShdw>
+                </a:effectLst>
+              </a:rPr>
+              <a:t> </a:t>
+            </a:r>
+            <a:r>
+              <a:rPr lang="it-IT" sz="3800" b="0" cap="none" spc="0" dirty="0" err="1">
+                <a:ln w="0"/>
+                <a:solidFill>
+                  <a:schemeClr val="bg1"/>
+                </a:solidFill>
+                <a:effectLst>
+                  <a:outerShdw blurRad="38100" dist="19050" dir="2700000" algn="tl" rotWithShape="0">
+                    <a:schemeClr val="dk1">
+                      <a:alpha val="40000"/>
+                    </a:schemeClr>
+                  </a:outerShdw>
+                </a:effectLst>
+              </a:rPr>
+              <a:t>Results</a:t>
+            </a:r>
+            <a:r>
+              <a:rPr lang="it-IT" sz="3800" b="0" cap="none" spc="0" dirty="0">
+                <a:ln w="0"/>
+                <a:solidFill>
+                  <a:schemeClr val="bg1"/>
+                </a:solidFill>
+                <a:effectLst>
+                  <a:outerShdw blurRad="38100" dist="19050" dir="2700000" algn="tl" rotWithShape="0">
+                    <a:schemeClr val="dk1">
+                      <a:alpha val="40000"/>
+                    </a:schemeClr>
+                  </a:outerShdw>
+                </a:effectLst>
+              </a:rPr>
+              <a:t> </a:t>
+            </a:r>
+            <a:endParaRPr lang="it-IT" sz="3600" b="0" cap="none" spc="0" dirty="0">
+              <a:ln w="0"/>
+              <a:solidFill>
+                <a:schemeClr val="bg1"/>
+              </a:solidFill>
+              <a:effectLst>
+                <a:outerShdw blurRad="38100" dist="19050" dir="2700000" algn="tl" rotWithShape="0">
+                  <a:schemeClr val="dk1">
+                    <a:alpha val="40000"/>
+                  </a:schemeClr>
+                </a:outerShdw>
+              </a:effectLst>
+            </a:endParaRPr>
+          </a:p>
+        </p:txBody>
+      </p:sp>
+    </p:spTree>
+    <p:extLst>
+      <p:ext uri="{BB962C8B-B14F-4D97-AF65-F5344CB8AC3E}">
+        <p14:creationId xmlns:p14="http://schemas.microsoft.com/office/powerpoint/2010/main" val="99575925"/>
+      </p:ext>
+    </p:extLst>
+  </p:cSld>
+  <p:clrMapOvr>
+    <a:masterClrMapping/>
+  </p:clrMapOvr>
+</p:sld>
+</file>
+
+<file path=ppt/slides/slide5.xml><?xml version="1.0" encoding="utf-8"?>
 <p:sld xmlns:a="http://schemas.openxmlformats.org/drawingml/2006/main" xmlns:r="http://schemas.openxmlformats.org/officeDocument/2006/relationships" xmlns:p="http://schemas.openxmlformats.org/presentationml/2006/main">
   <p:cSld>
     <p:spTree>

--- a/ppt_template.pptx
+++ b/ppt_template.pptx
@@ -5,17 +5,18 @@
     <p:sldMasterId id="2147483648" r:id="rId4"/>
   </p:sldMasterIdLst>
   <p:notesMasterIdLst>
-    <p:notesMasterId r:id="rId10"/>
+    <p:notesMasterId r:id="rId11"/>
   </p:notesMasterIdLst>
   <p:handoutMasterIdLst>
-    <p:handoutMasterId r:id="rId11"/>
+    <p:handoutMasterId r:id="rId12"/>
   </p:handoutMasterIdLst>
   <p:sldIdLst>
     <p:sldId id="357" r:id="rId5"/>
     <p:sldId id="358" r:id="rId6"/>
     <p:sldId id="359" r:id="rId7"/>
     <p:sldId id="360" r:id="rId8"/>
-    <p:sldId id="356" r:id="rId9"/>
+    <p:sldId id="361" r:id="rId9"/>
+    <p:sldId id="356" r:id="rId10"/>
   </p:sldIdLst>
   <p:sldSz cx="9144000" cy="6858000" type="screen4x3"/>
   <p:notesSz cx="6858000" cy="9144000"/>
@@ -281,7 +282,7 @@
               <a:pPr>
                 <a:defRPr/>
               </a:pPr>
-              <a:t>09/11/2021</a:t>
+              <a:t>12/11/2021</a:t>
             </a:fld>
             <a:endParaRPr lang="it-IT"/>
           </a:p>
@@ -1243,6 +1244,119 @@
 </p:notes>
 </file>
 
+<file path=ppt/notesSlides/notesSlide4.xml><?xml version="1.0" encoding="utf-8"?>
+<p:notes xmlns:a="http://schemas.openxmlformats.org/drawingml/2006/main" xmlns:r="http://schemas.openxmlformats.org/officeDocument/2006/relationships" xmlns:p="http://schemas.openxmlformats.org/presentationml/2006/main">
+  <p:cSld>
+    <p:spTree>
+      <p:nvGrpSpPr>
+        <p:cNvPr id="1" name=""/>
+        <p:cNvGrpSpPr/>
+        <p:nvPr/>
+      </p:nvGrpSpPr>
+      <p:grpSpPr>
+        <a:xfrm>
+          <a:off x="0" y="0"/>
+          <a:ext cx="0" cy="0"/>
+          <a:chOff x="0" y="0"/>
+          <a:chExt cx="0" cy="0"/>
+        </a:xfrm>
+      </p:grpSpPr>
+      <p:sp>
+        <p:nvSpPr>
+          <p:cNvPr id="2" name="Segnaposto immagine diapositiva 1"/>
+          <p:cNvSpPr>
+            <a:spLocks noGrp="1" noRot="1" noChangeAspect="1"/>
+          </p:cNvSpPr>
+          <p:nvPr>
+            <p:ph type="sldImg"/>
+          </p:nvPr>
+        </p:nvSpPr>
+        <p:spPr/>
+      </p:sp>
+      <p:sp>
+        <p:nvSpPr>
+          <p:cNvPr id="3" name="Segnaposto note 2"/>
+          <p:cNvSpPr>
+            <a:spLocks noGrp="1"/>
+          </p:cNvSpPr>
+          <p:nvPr>
+            <p:ph type="body" idx="1"/>
+          </p:nvPr>
+        </p:nvSpPr>
+        <p:spPr/>
+        <p:txBody>
+          <a:bodyPr/>
+          <a:lstStyle/>
+          <a:p>
+            <a:r>
+              <a:rPr lang="it-IT" dirty="0" err="1"/>
+              <a:t>Present</a:t>
+            </a:r>
+            <a:r>
+              <a:rPr lang="it-IT" dirty="0"/>
+              <a:t> data and </a:t>
+            </a:r>
+            <a:r>
+              <a:rPr lang="it-IT" dirty="0" err="1"/>
+              <a:t>explain</a:t>
+            </a:r>
+            <a:r>
+              <a:rPr lang="it-IT" dirty="0"/>
+              <a:t> </a:t>
+            </a:r>
+            <a:r>
+              <a:rPr lang="it-IT" dirty="0" err="1"/>
+              <a:t>your</a:t>
+            </a:r>
+            <a:r>
+              <a:rPr lang="it-IT" dirty="0"/>
+              <a:t> </a:t>
+            </a:r>
+            <a:r>
+              <a:rPr lang="it-IT"/>
+              <a:t>results</a:t>
+            </a:r>
+            <a:endParaRPr lang="en-US"/>
+          </a:p>
+        </p:txBody>
+      </p:sp>
+      <p:sp>
+        <p:nvSpPr>
+          <p:cNvPr id="4" name="Segnaposto numero diapositiva 3"/>
+          <p:cNvSpPr>
+            <a:spLocks noGrp="1"/>
+          </p:cNvSpPr>
+          <p:nvPr>
+            <p:ph type="sldNum" sz="quarter" idx="5"/>
+          </p:nvPr>
+        </p:nvSpPr>
+        <p:spPr/>
+        <p:txBody>
+          <a:bodyPr/>
+          <a:lstStyle/>
+          <a:p>
+            <a:fld id="{E089B42F-5DF8-46B2-B64F-0F197D49EE0B}" type="slidenum">
+              <a:rPr lang="it-IT" altLang="it-IT" smtClean="0"/>
+              <a:pPr/>
+              <a:t>5</a:t>
+            </a:fld>
+            <a:endParaRPr lang="it-IT" altLang="it-IT"/>
+          </a:p>
+        </p:txBody>
+      </p:sp>
+    </p:spTree>
+    <p:extLst>
+      <p:ext uri="{BB962C8B-B14F-4D97-AF65-F5344CB8AC3E}">
+        <p14:creationId xmlns:p14="http://schemas.microsoft.com/office/powerpoint/2010/main" val="260700886"/>
+      </p:ext>
+    </p:extLst>
+  </p:cSld>
+  <p:clrMapOvr>
+    <a:masterClrMapping/>
+  </p:clrMapOvr>
+</p:notes>
+</file>
+
 <file path=ppt/slideLayouts/slideLayout1.xml><?xml version="1.0" encoding="utf-8"?>
 <p:sldLayout xmlns:a="http://schemas.openxmlformats.org/drawingml/2006/main" xmlns:r="http://schemas.openxmlformats.org/officeDocument/2006/relationships" xmlns:p="http://schemas.openxmlformats.org/presentationml/2006/main" preserve="1" userDrawn="1">
   <p:cSld name="Diapositiva titolo">
@@ -5829,6 +5943,689 @@
 </file>
 
 <file path=ppt/slides/slide5.xml><?xml version="1.0" encoding="utf-8"?>
+<p:sld xmlns:a="http://schemas.openxmlformats.org/drawingml/2006/main" xmlns:r="http://schemas.openxmlformats.org/officeDocument/2006/relationships" xmlns:p="http://schemas.openxmlformats.org/presentationml/2006/main">
+  <p:cSld>
+    <p:spTree>
+      <p:nvGrpSpPr>
+        <p:cNvPr id="1" name=""/>
+        <p:cNvGrpSpPr/>
+        <p:nvPr/>
+      </p:nvGrpSpPr>
+      <p:grpSpPr>
+        <a:xfrm>
+          <a:off x="0" y="0"/>
+          <a:ext cx="0" cy="0"/>
+          <a:chOff x="0" y="0"/>
+          <a:chExt cx="0" cy="0"/>
+        </a:xfrm>
+      </p:grpSpPr>
+      <p:sp>
+        <p:nvSpPr>
+          <p:cNvPr id="8194" name="CasellaDiTesto 10">
+            <a:extLst>
+              <a:ext uri="{FF2B5EF4-FFF2-40B4-BE49-F238E27FC236}">
+                <a16:creationId xmlns:a16="http://schemas.microsoft.com/office/drawing/2014/main" id="{ED32AF09-CF86-4D49-85E2-CC111B5F3D38}"/>
+              </a:ext>
+            </a:extLst>
+          </p:cNvPr>
+          <p:cNvSpPr txBox="1">
+            <a:spLocks noChangeArrowheads="1"/>
+          </p:cNvSpPr>
+          <p:nvPr/>
+        </p:nvSpPr>
+        <p:spPr bwMode="auto">
+          <a:xfrm>
+            <a:off x="2159000" y="361950"/>
+            <a:ext cx="0" cy="0"/>
+          </a:xfrm>
+          <a:prstGeom prst="rect">
+            <a:avLst/>
+          </a:prstGeom>
+          <a:noFill/>
+          <a:ln>
+            <a:noFill/>
+          </a:ln>
+          <a:extLst>
+            <a:ext uri="{909E8E84-426E-40DD-AFC4-6F175D3DCCD1}">
+              <a14:hiddenFill xmlns:a14="http://schemas.microsoft.com/office/drawing/2010/main">
+                <a:solidFill>
+                  <a:srgbClr val="FFFFFF"/>
+                </a:solidFill>
+              </a14:hiddenFill>
+            </a:ext>
+            <a:ext uri="{91240B29-F687-4F45-9708-019B960494DF}">
+              <a14:hiddenLine xmlns:a14="http://schemas.microsoft.com/office/drawing/2010/main" w="9525">
+                <a:solidFill>
+                  <a:srgbClr val="000000"/>
+                </a:solidFill>
+                <a:miter lim="800000"/>
+                <a:headEnd/>
+                <a:tailEnd/>
+              </a14:hiddenLine>
+            </a:ext>
+          </a:extLst>
+        </p:spPr>
+        <p:txBody>
+          <a:bodyPr wrap="none" tIns="180000" rIns="216000" anchor="ctr"/>
+          <a:lstStyle>
+            <a:lvl1pPr>
+              <a:spcBef>
+                <a:spcPct val="20000"/>
+              </a:spcBef>
+              <a:buChar char="•"/>
+              <a:defRPr sz="3200">
+                <a:solidFill>
+                  <a:schemeClr val="tx1"/>
+                </a:solidFill>
+                <a:latin typeface="Arial" panose="020B0604020202020204" pitchFamily="34" charset="0"/>
+              </a:defRPr>
+            </a:lvl1pPr>
+            <a:lvl2pPr marL="742950" indent="-285750">
+              <a:spcBef>
+                <a:spcPct val="20000"/>
+              </a:spcBef>
+              <a:buChar char="–"/>
+              <a:defRPr sz="2800">
+                <a:solidFill>
+                  <a:schemeClr val="tx1"/>
+                </a:solidFill>
+                <a:latin typeface="Arial" panose="020B0604020202020204" pitchFamily="34" charset="0"/>
+              </a:defRPr>
+            </a:lvl2pPr>
+            <a:lvl3pPr marL="1143000" indent="-228600">
+              <a:spcBef>
+                <a:spcPct val="20000"/>
+              </a:spcBef>
+              <a:buChar char="•"/>
+              <a:defRPr sz="2400">
+                <a:solidFill>
+                  <a:schemeClr val="tx1"/>
+                </a:solidFill>
+                <a:latin typeface="Arial" panose="020B0604020202020204" pitchFamily="34" charset="0"/>
+              </a:defRPr>
+            </a:lvl3pPr>
+            <a:lvl4pPr marL="1600200" indent="-228600">
+              <a:spcBef>
+                <a:spcPct val="20000"/>
+              </a:spcBef>
+              <a:buChar char="–"/>
+              <a:defRPr sz="2000">
+                <a:solidFill>
+                  <a:schemeClr val="tx1"/>
+                </a:solidFill>
+                <a:latin typeface="Arial" panose="020B0604020202020204" pitchFamily="34" charset="0"/>
+              </a:defRPr>
+            </a:lvl4pPr>
+            <a:lvl5pPr marL="2057400" indent="-228600">
+              <a:spcBef>
+                <a:spcPct val="20000"/>
+              </a:spcBef>
+              <a:buChar char="»"/>
+              <a:defRPr sz="2000">
+                <a:solidFill>
+                  <a:schemeClr val="tx1"/>
+                </a:solidFill>
+                <a:latin typeface="Arial" panose="020B0604020202020204" pitchFamily="34" charset="0"/>
+              </a:defRPr>
+            </a:lvl5pPr>
+            <a:lvl6pPr marL="2514600" indent="-228600" eaLnBrk="0" fontAlgn="base" hangingPunct="0">
+              <a:spcBef>
+                <a:spcPct val="20000"/>
+              </a:spcBef>
+              <a:spcAft>
+                <a:spcPct val="0"/>
+              </a:spcAft>
+              <a:buChar char="»"/>
+              <a:defRPr sz="2000">
+                <a:solidFill>
+                  <a:schemeClr val="tx1"/>
+                </a:solidFill>
+                <a:latin typeface="Arial" panose="020B0604020202020204" pitchFamily="34" charset="0"/>
+              </a:defRPr>
+            </a:lvl6pPr>
+            <a:lvl7pPr marL="2971800" indent="-228600" eaLnBrk="0" fontAlgn="base" hangingPunct="0">
+              <a:spcBef>
+                <a:spcPct val="20000"/>
+              </a:spcBef>
+              <a:spcAft>
+                <a:spcPct val="0"/>
+              </a:spcAft>
+              <a:buChar char="»"/>
+              <a:defRPr sz="2000">
+                <a:solidFill>
+                  <a:schemeClr val="tx1"/>
+                </a:solidFill>
+                <a:latin typeface="Arial" panose="020B0604020202020204" pitchFamily="34" charset="0"/>
+              </a:defRPr>
+            </a:lvl7pPr>
+            <a:lvl8pPr marL="3429000" indent="-228600" eaLnBrk="0" fontAlgn="base" hangingPunct="0">
+              <a:spcBef>
+                <a:spcPct val="20000"/>
+              </a:spcBef>
+              <a:spcAft>
+                <a:spcPct val="0"/>
+              </a:spcAft>
+              <a:buChar char="»"/>
+              <a:defRPr sz="2000">
+                <a:solidFill>
+                  <a:schemeClr val="tx1"/>
+                </a:solidFill>
+                <a:latin typeface="Arial" panose="020B0604020202020204" pitchFamily="34" charset="0"/>
+              </a:defRPr>
+            </a:lvl8pPr>
+            <a:lvl9pPr marL="3886200" indent="-228600" eaLnBrk="0" fontAlgn="base" hangingPunct="0">
+              <a:spcBef>
+                <a:spcPct val="20000"/>
+              </a:spcBef>
+              <a:spcAft>
+                <a:spcPct val="0"/>
+              </a:spcAft>
+              <a:buChar char="»"/>
+              <a:defRPr sz="2000">
+                <a:solidFill>
+                  <a:schemeClr val="tx1"/>
+                </a:solidFill>
+                <a:latin typeface="Arial" panose="020B0604020202020204" pitchFamily="34" charset="0"/>
+              </a:defRPr>
+            </a:lvl9pPr>
+          </a:lstStyle>
+          <a:p>
+            <a:pPr algn="r" eaLnBrk="1" hangingPunct="1">
+              <a:spcBef>
+                <a:spcPct val="0"/>
+              </a:spcBef>
+              <a:buFontTx/>
+              <a:buNone/>
+            </a:pPr>
+            <a:endParaRPr lang="it-IT" altLang="it-IT" sz="2800" b="0">
+              <a:solidFill>
+                <a:schemeClr val="bg1"/>
+              </a:solidFill>
+            </a:endParaRPr>
+          </a:p>
+        </p:txBody>
+      </p:sp>
+      <p:sp>
+        <p:nvSpPr>
+          <p:cNvPr id="8195" name="CasellaDiTesto 13">
+            <a:extLst>
+              <a:ext uri="{FF2B5EF4-FFF2-40B4-BE49-F238E27FC236}">
+                <a16:creationId xmlns:a16="http://schemas.microsoft.com/office/drawing/2014/main" id="{0D373E1D-380D-4868-9DBF-30318ECE993B}"/>
+              </a:ext>
+            </a:extLst>
+          </p:cNvPr>
+          <p:cNvSpPr txBox="1">
+            <a:spLocks noChangeArrowheads="1"/>
+          </p:cNvSpPr>
+          <p:nvPr/>
+        </p:nvSpPr>
+        <p:spPr bwMode="auto">
+          <a:xfrm>
+            <a:off x="8737600" y="412750"/>
+            <a:ext cx="0" cy="0"/>
+          </a:xfrm>
+          <a:prstGeom prst="rect">
+            <a:avLst/>
+          </a:prstGeom>
+          <a:noFill/>
+          <a:ln>
+            <a:noFill/>
+          </a:ln>
+          <a:extLst>
+            <a:ext uri="{909E8E84-426E-40DD-AFC4-6F175D3DCCD1}">
+              <a14:hiddenFill xmlns:a14="http://schemas.microsoft.com/office/drawing/2010/main">
+                <a:solidFill>
+                  <a:srgbClr val="FFFFFF"/>
+                </a:solidFill>
+              </a14:hiddenFill>
+            </a:ext>
+            <a:ext uri="{91240B29-F687-4F45-9708-019B960494DF}">
+              <a14:hiddenLine xmlns:a14="http://schemas.microsoft.com/office/drawing/2010/main" w="9525">
+                <a:solidFill>
+                  <a:srgbClr val="000000"/>
+                </a:solidFill>
+                <a:miter lim="800000"/>
+                <a:headEnd/>
+                <a:tailEnd/>
+              </a14:hiddenLine>
+            </a:ext>
+          </a:extLst>
+        </p:spPr>
+        <p:txBody>
+          <a:bodyPr wrap="none" tIns="180000" rIns="216000" anchor="ctr"/>
+          <a:lstStyle>
+            <a:lvl1pPr>
+              <a:spcBef>
+                <a:spcPct val="20000"/>
+              </a:spcBef>
+              <a:buChar char="•"/>
+              <a:defRPr sz="3200">
+                <a:solidFill>
+                  <a:schemeClr val="tx1"/>
+                </a:solidFill>
+                <a:latin typeface="Arial" panose="020B0604020202020204" pitchFamily="34" charset="0"/>
+              </a:defRPr>
+            </a:lvl1pPr>
+            <a:lvl2pPr marL="742950" indent="-285750">
+              <a:spcBef>
+                <a:spcPct val="20000"/>
+              </a:spcBef>
+              <a:buChar char="–"/>
+              <a:defRPr sz="2800">
+                <a:solidFill>
+                  <a:schemeClr val="tx1"/>
+                </a:solidFill>
+                <a:latin typeface="Arial" panose="020B0604020202020204" pitchFamily="34" charset="0"/>
+              </a:defRPr>
+            </a:lvl2pPr>
+            <a:lvl3pPr marL="1143000" indent="-228600">
+              <a:spcBef>
+                <a:spcPct val="20000"/>
+              </a:spcBef>
+              <a:buChar char="•"/>
+              <a:defRPr sz="2400">
+                <a:solidFill>
+                  <a:schemeClr val="tx1"/>
+                </a:solidFill>
+                <a:latin typeface="Arial" panose="020B0604020202020204" pitchFamily="34" charset="0"/>
+              </a:defRPr>
+            </a:lvl3pPr>
+            <a:lvl4pPr marL="1600200" indent="-228600">
+              <a:spcBef>
+                <a:spcPct val="20000"/>
+              </a:spcBef>
+              <a:buChar char="–"/>
+              <a:defRPr sz="2000">
+                <a:solidFill>
+                  <a:schemeClr val="tx1"/>
+                </a:solidFill>
+                <a:latin typeface="Arial" panose="020B0604020202020204" pitchFamily="34" charset="0"/>
+              </a:defRPr>
+            </a:lvl4pPr>
+            <a:lvl5pPr marL="2057400" indent="-228600">
+              <a:spcBef>
+                <a:spcPct val="20000"/>
+              </a:spcBef>
+              <a:buChar char="»"/>
+              <a:defRPr sz="2000">
+                <a:solidFill>
+                  <a:schemeClr val="tx1"/>
+                </a:solidFill>
+                <a:latin typeface="Arial" panose="020B0604020202020204" pitchFamily="34" charset="0"/>
+              </a:defRPr>
+            </a:lvl5pPr>
+            <a:lvl6pPr marL="2514600" indent="-228600" eaLnBrk="0" fontAlgn="base" hangingPunct="0">
+              <a:spcBef>
+                <a:spcPct val="20000"/>
+              </a:spcBef>
+              <a:spcAft>
+                <a:spcPct val="0"/>
+              </a:spcAft>
+              <a:buChar char="»"/>
+              <a:defRPr sz="2000">
+                <a:solidFill>
+                  <a:schemeClr val="tx1"/>
+                </a:solidFill>
+                <a:latin typeface="Arial" panose="020B0604020202020204" pitchFamily="34" charset="0"/>
+              </a:defRPr>
+            </a:lvl6pPr>
+            <a:lvl7pPr marL="2971800" indent="-228600" eaLnBrk="0" fontAlgn="base" hangingPunct="0">
+              <a:spcBef>
+                <a:spcPct val="20000"/>
+              </a:spcBef>
+              <a:spcAft>
+                <a:spcPct val="0"/>
+              </a:spcAft>
+              <a:buChar char="»"/>
+              <a:defRPr sz="2000">
+                <a:solidFill>
+                  <a:schemeClr val="tx1"/>
+                </a:solidFill>
+                <a:latin typeface="Arial" panose="020B0604020202020204" pitchFamily="34" charset="0"/>
+              </a:defRPr>
+            </a:lvl7pPr>
+            <a:lvl8pPr marL="3429000" indent="-228600" eaLnBrk="0" fontAlgn="base" hangingPunct="0">
+              <a:spcBef>
+                <a:spcPct val="20000"/>
+              </a:spcBef>
+              <a:spcAft>
+                <a:spcPct val="0"/>
+              </a:spcAft>
+              <a:buChar char="»"/>
+              <a:defRPr sz="2000">
+                <a:solidFill>
+                  <a:schemeClr val="tx1"/>
+                </a:solidFill>
+                <a:latin typeface="Arial" panose="020B0604020202020204" pitchFamily="34" charset="0"/>
+              </a:defRPr>
+            </a:lvl8pPr>
+            <a:lvl9pPr marL="3886200" indent="-228600" eaLnBrk="0" fontAlgn="base" hangingPunct="0">
+              <a:spcBef>
+                <a:spcPct val="20000"/>
+              </a:spcBef>
+              <a:spcAft>
+                <a:spcPct val="0"/>
+              </a:spcAft>
+              <a:buChar char="»"/>
+              <a:defRPr sz="2000">
+                <a:solidFill>
+                  <a:schemeClr val="tx1"/>
+                </a:solidFill>
+                <a:latin typeface="Arial" panose="020B0604020202020204" pitchFamily="34" charset="0"/>
+              </a:defRPr>
+            </a:lvl9pPr>
+          </a:lstStyle>
+          <a:p>
+            <a:pPr algn="r" eaLnBrk="1" hangingPunct="1">
+              <a:spcBef>
+                <a:spcPct val="0"/>
+              </a:spcBef>
+              <a:buFontTx/>
+              <a:buNone/>
+            </a:pPr>
+            <a:endParaRPr lang="it-IT" altLang="it-IT" sz="2800" b="0">
+              <a:solidFill>
+                <a:schemeClr val="bg1"/>
+              </a:solidFill>
+            </a:endParaRPr>
+          </a:p>
+        </p:txBody>
+      </p:sp>
+      <p:sp>
+        <p:nvSpPr>
+          <p:cNvPr id="8197" name="CasellaDiTesto 1">
+            <a:extLst>
+              <a:ext uri="{FF2B5EF4-FFF2-40B4-BE49-F238E27FC236}">
+                <a16:creationId xmlns:a16="http://schemas.microsoft.com/office/drawing/2014/main" id="{DABE2A0C-C977-463D-B219-FCD2A84DCF57}"/>
+              </a:ext>
+            </a:extLst>
+          </p:cNvPr>
+          <p:cNvSpPr txBox="1">
+            <a:spLocks noChangeArrowheads="1"/>
+          </p:cNvSpPr>
+          <p:nvPr/>
+        </p:nvSpPr>
+        <p:spPr bwMode="auto">
+          <a:xfrm>
+            <a:off x="-76200" y="481013"/>
+            <a:ext cx="0" cy="0"/>
+          </a:xfrm>
+          <a:prstGeom prst="rect">
+            <a:avLst/>
+          </a:prstGeom>
+          <a:noFill/>
+          <a:ln>
+            <a:noFill/>
+          </a:ln>
+          <a:extLst>
+            <a:ext uri="{909E8E84-426E-40DD-AFC4-6F175D3DCCD1}">
+              <a14:hiddenFill xmlns:a14="http://schemas.microsoft.com/office/drawing/2010/main">
+                <a:solidFill>
+                  <a:srgbClr val="FFFFFF"/>
+                </a:solidFill>
+              </a14:hiddenFill>
+            </a:ext>
+            <a:ext uri="{91240B29-F687-4F45-9708-019B960494DF}">
+              <a14:hiddenLine xmlns:a14="http://schemas.microsoft.com/office/drawing/2010/main" w="9525">
+                <a:solidFill>
+                  <a:srgbClr val="000000"/>
+                </a:solidFill>
+                <a:miter lim="800000"/>
+                <a:headEnd/>
+                <a:tailEnd/>
+              </a14:hiddenLine>
+            </a:ext>
+          </a:extLst>
+        </p:spPr>
+        <p:txBody>
+          <a:bodyPr wrap="none" tIns="180000" rIns="216000" anchor="ctr"/>
+          <a:lstStyle>
+            <a:lvl1pPr>
+              <a:spcBef>
+                <a:spcPct val="20000"/>
+              </a:spcBef>
+              <a:buChar char="•"/>
+              <a:defRPr sz="3200">
+                <a:solidFill>
+                  <a:schemeClr val="tx1"/>
+                </a:solidFill>
+                <a:latin typeface="Arial" panose="020B0604020202020204" pitchFamily="34" charset="0"/>
+              </a:defRPr>
+            </a:lvl1pPr>
+            <a:lvl2pPr marL="742950" indent="-285750">
+              <a:spcBef>
+                <a:spcPct val="20000"/>
+              </a:spcBef>
+              <a:buChar char="–"/>
+              <a:defRPr sz="2800">
+                <a:solidFill>
+                  <a:schemeClr val="tx1"/>
+                </a:solidFill>
+                <a:latin typeface="Arial" panose="020B0604020202020204" pitchFamily="34" charset="0"/>
+              </a:defRPr>
+            </a:lvl2pPr>
+            <a:lvl3pPr marL="1143000" indent="-228600">
+              <a:spcBef>
+                <a:spcPct val="20000"/>
+              </a:spcBef>
+              <a:buChar char="•"/>
+              <a:defRPr sz="2400">
+                <a:solidFill>
+                  <a:schemeClr val="tx1"/>
+                </a:solidFill>
+                <a:latin typeface="Arial" panose="020B0604020202020204" pitchFamily="34" charset="0"/>
+              </a:defRPr>
+            </a:lvl3pPr>
+            <a:lvl4pPr marL="1600200" indent="-228600">
+              <a:spcBef>
+                <a:spcPct val="20000"/>
+              </a:spcBef>
+              <a:buChar char="–"/>
+              <a:defRPr sz="2000">
+                <a:solidFill>
+                  <a:schemeClr val="tx1"/>
+                </a:solidFill>
+                <a:latin typeface="Arial" panose="020B0604020202020204" pitchFamily="34" charset="0"/>
+              </a:defRPr>
+            </a:lvl4pPr>
+            <a:lvl5pPr marL="2057400" indent="-228600">
+              <a:spcBef>
+                <a:spcPct val="20000"/>
+              </a:spcBef>
+              <a:buChar char="»"/>
+              <a:defRPr sz="2000">
+                <a:solidFill>
+                  <a:schemeClr val="tx1"/>
+                </a:solidFill>
+                <a:latin typeface="Arial" panose="020B0604020202020204" pitchFamily="34" charset="0"/>
+              </a:defRPr>
+            </a:lvl5pPr>
+            <a:lvl6pPr marL="2514600" indent="-228600" eaLnBrk="0" fontAlgn="base" hangingPunct="0">
+              <a:spcBef>
+                <a:spcPct val="20000"/>
+              </a:spcBef>
+              <a:spcAft>
+                <a:spcPct val="0"/>
+              </a:spcAft>
+              <a:buChar char="»"/>
+              <a:defRPr sz="2000">
+                <a:solidFill>
+                  <a:schemeClr val="tx1"/>
+                </a:solidFill>
+                <a:latin typeface="Arial" panose="020B0604020202020204" pitchFamily="34" charset="0"/>
+              </a:defRPr>
+            </a:lvl6pPr>
+            <a:lvl7pPr marL="2971800" indent="-228600" eaLnBrk="0" fontAlgn="base" hangingPunct="0">
+              <a:spcBef>
+                <a:spcPct val="20000"/>
+              </a:spcBef>
+              <a:spcAft>
+                <a:spcPct val="0"/>
+              </a:spcAft>
+              <a:buChar char="»"/>
+              <a:defRPr sz="2000">
+                <a:solidFill>
+                  <a:schemeClr val="tx1"/>
+                </a:solidFill>
+                <a:latin typeface="Arial" panose="020B0604020202020204" pitchFamily="34" charset="0"/>
+              </a:defRPr>
+            </a:lvl7pPr>
+            <a:lvl8pPr marL="3429000" indent="-228600" eaLnBrk="0" fontAlgn="base" hangingPunct="0">
+              <a:spcBef>
+                <a:spcPct val="20000"/>
+              </a:spcBef>
+              <a:spcAft>
+                <a:spcPct val="0"/>
+              </a:spcAft>
+              <a:buChar char="»"/>
+              <a:defRPr sz="2000">
+                <a:solidFill>
+                  <a:schemeClr val="tx1"/>
+                </a:solidFill>
+                <a:latin typeface="Arial" panose="020B0604020202020204" pitchFamily="34" charset="0"/>
+              </a:defRPr>
+            </a:lvl8pPr>
+            <a:lvl9pPr marL="3886200" indent="-228600" eaLnBrk="0" fontAlgn="base" hangingPunct="0">
+              <a:spcBef>
+                <a:spcPct val="20000"/>
+              </a:spcBef>
+              <a:spcAft>
+                <a:spcPct val="0"/>
+              </a:spcAft>
+              <a:buChar char="»"/>
+              <a:defRPr sz="2000">
+                <a:solidFill>
+                  <a:schemeClr val="tx1"/>
+                </a:solidFill>
+                <a:latin typeface="Arial" panose="020B0604020202020204" pitchFamily="34" charset="0"/>
+              </a:defRPr>
+            </a:lvl9pPr>
+          </a:lstStyle>
+          <a:p>
+            <a:pPr algn="r" eaLnBrk="1" hangingPunct="1">
+              <a:spcBef>
+                <a:spcPct val="0"/>
+              </a:spcBef>
+              <a:buFontTx/>
+              <a:buNone/>
+            </a:pPr>
+            <a:endParaRPr lang="it-IT" altLang="it-IT" sz="2800" b="0">
+              <a:solidFill>
+                <a:schemeClr val="bg1"/>
+              </a:solidFill>
+            </a:endParaRPr>
+          </a:p>
+        </p:txBody>
+      </p:sp>
+      <p:sp>
+        <p:nvSpPr>
+          <p:cNvPr id="2" name="Rettangolo 1">
+            <a:extLst>
+              <a:ext uri="{FF2B5EF4-FFF2-40B4-BE49-F238E27FC236}">
+                <a16:creationId xmlns:a16="http://schemas.microsoft.com/office/drawing/2014/main" id="{7A7A617F-E94E-45F3-BF7B-6B8D74AC8DA7}"/>
+              </a:ext>
+            </a:extLst>
+          </p:cNvPr>
+          <p:cNvSpPr/>
+          <p:nvPr/>
+        </p:nvSpPr>
+        <p:spPr>
+          <a:xfrm>
+            <a:off x="-93053" y="991675"/>
+            <a:ext cx="3130986" cy="677108"/>
+          </a:xfrm>
+          <a:prstGeom prst="rect">
+            <a:avLst/>
+          </a:prstGeom>
+          <a:solidFill>
+            <a:srgbClr val="B20F21"/>
+          </a:solidFill>
+        </p:spPr>
+        <p:txBody>
+          <a:bodyPr wrap="none" lIns="91440" tIns="45720" rIns="91440" bIns="45720">
+            <a:spAutoFit/>
+          </a:bodyPr>
+          <a:lstStyle/>
+          <a:p>
+            <a:pPr algn="ctr"/>
+            <a:r>
+              <a:rPr lang="it-IT" sz="3600" b="0" cap="none" spc="0" dirty="0">
+                <a:ln w="0"/>
+                <a:solidFill>
+                  <a:schemeClr val="tx1"/>
+                </a:solidFill>
+                <a:effectLst>
+                  <a:outerShdw blurRad="38100" dist="19050" dir="2700000" algn="tl" rotWithShape="0">
+                    <a:schemeClr val="dk1">
+                      <a:alpha val="40000"/>
+                    </a:schemeClr>
+                  </a:outerShdw>
+                </a:effectLst>
+              </a:rPr>
+              <a:t> </a:t>
+            </a:r>
+            <a:r>
+              <a:rPr lang="it-IT" sz="3800" b="0" cap="none" spc="0" dirty="0" err="1">
+                <a:ln w="0"/>
+                <a:solidFill>
+                  <a:schemeClr val="bg1"/>
+                </a:solidFill>
+                <a:effectLst>
+                  <a:outerShdw blurRad="38100" dist="19050" dir="2700000" algn="tl" rotWithShape="0">
+                    <a:schemeClr val="dk1">
+                      <a:alpha val="40000"/>
+                    </a:schemeClr>
+                  </a:outerShdw>
+                </a:effectLst>
+              </a:rPr>
+              <a:t>Bibliography</a:t>
+            </a:r>
+            <a:r>
+              <a:rPr lang="it-IT" sz="3800" b="0" cap="none" spc="0" dirty="0">
+                <a:ln w="0"/>
+                <a:solidFill>
+                  <a:schemeClr val="bg1"/>
+                </a:solidFill>
+                <a:effectLst>
+                  <a:outerShdw blurRad="38100" dist="19050" dir="2700000" algn="tl" rotWithShape="0">
+                    <a:schemeClr val="dk1">
+                      <a:alpha val="40000"/>
+                    </a:schemeClr>
+                  </a:outerShdw>
+                </a:effectLst>
+              </a:rPr>
+              <a:t> </a:t>
+            </a:r>
+            <a:endParaRPr lang="it-IT" sz="3600" b="0" cap="none" spc="0" dirty="0">
+              <a:ln w="0"/>
+              <a:solidFill>
+                <a:schemeClr val="bg1"/>
+              </a:solidFill>
+              <a:effectLst>
+                <a:outerShdw blurRad="38100" dist="19050" dir="2700000" algn="tl" rotWithShape="0">
+                  <a:schemeClr val="dk1">
+                    <a:alpha val="40000"/>
+                  </a:schemeClr>
+                </a:outerShdw>
+              </a:effectLst>
+            </a:endParaRPr>
+          </a:p>
+        </p:txBody>
+      </p:sp>
+    </p:spTree>
+    <p:extLst>
+      <p:ext uri="{BB962C8B-B14F-4D97-AF65-F5344CB8AC3E}">
+        <p14:creationId xmlns:p14="http://schemas.microsoft.com/office/powerpoint/2010/main" val="425998869"/>
+      </p:ext>
+    </p:extLst>
+  </p:cSld>
+  <p:clrMapOvr>
+    <a:masterClrMapping/>
+  </p:clrMapOvr>
+</p:sld>
+</file>
+
+<file path=ppt/slides/slide6.xml><?xml version="1.0" encoding="utf-8"?>
 <p:sld xmlns:a="http://schemas.openxmlformats.org/drawingml/2006/main" xmlns:r="http://schemas.openxmlformats.org/officeDocument/2006/relationships" xmlns:p="http://schemas.openxmlformats.org/presentationml/2006/main">
   <p:cSld>
     <p:spTree>
@@ -7433,12 +8230,9 @@
 </file>
 
 <file path=customXml/item1.xml><?xml version="1.0" encoding="utf-8"?>
-<?mso-contentType ?>
-<FormTemplates xmlns="http://schemas.microsoft.com/sharepoint/v3/contenttype/forms">
-  <Display>DocumentLibraryForm</Display>
-  <Edit>DocumentLibraryForm</Edit>
-  <New>DocumentLibraryForm</New>
-</FormTemplates>
+<p:properties xmlns:p="http://schemas.microsoft.com/office/2006/metadata/properties" xmlns:xsi="http://www.w3.org/2001/XMLSchema-instance" xmlns:pc="http://schemas.microsoft.com/office/infopath/2007/PartnerControls">
+  <documentManagement/>
+</p:properties>
 </file>
 
 <file path=customXml/item2.xml><?xml version="1.0" encoding="utf-8"?>
@@ -7574,15 +8368,26 @@
 </file>
 
 <file path=customXml/item3.xml><?xml version="1.0" encoding="utf-8"?>
-<p:properties xmlns:p="http://schemas.microsoft.com/office/2006/metadata/properties" xmlns:xsi="http://www.w3.org/2001/XMLSchema-instance" xmlns:pc="http://schemas.microsoft.com/office/infopath/2007/PartnerControls">
-  <documentManagement/>
-</p:properties>
+<?mso-contentType ?>
+<FormTemplates xmlns="http://schemas.microsoft.com/sharepoint/v3/contenttype/forms">
+  <Display>DocumentLibraryForm</Display>
+  <Edit>DocumentLibraryForm</Edit>
+  <New>DocumentLibraryForm</New>
+</FormTemplates>
 </file>
 
 <file path=customXml/itemProps1.xml><?xml version="1.0" encoding="utf-8"?>
-<ds:datastoreItem xmlns:ds="http://schemas.openxmlformats.org/officeDocument/2006/customXml" ds:itemID="{855D325D-3B77-47CA-8757-84DD5741DFBA}">
+<ds:datastoreItem xmlns:ds="http://schemas.openxmlformats.org/officeDocument/2006/customXml" ds:itemID="{FF5D3D51-03CC-4736-A35A-7D072B275084}">
   <ds:schemaRefs>
-    <ds:schemaRef ds:uri="http://schemas.microsoft.com/sharepoint/v3/contenttype/forms"/>
+    <ds:schemaRef ds:uri="http://schemas.microsoft.com/office/infopath/2007/PartnerControls"/>
+    <ds:schemaRef ds:uri="http://purl.org/dc/terms/"/>
+    <ds:schemaRef ds:uri="http://www.w3.org/XML/1998/namespace"/>
+    <ds:schemaRef ds:uri="http://purl.org/dc/elements/1.1/"/>
+    <ds:schemaRef ds:uri="http://schemas.microsoft.com/office/2006/metadata/properties"/>
+    <ds:schemaRef ds:uri="http://schemas.microsoft.com/office/2006/documentManagement/types"/>
+    <ds:schemaRef ds:uri="http://schemas.openxmlformats.org/package/2006/metadata/core-properties"/>
+    <ds:schemaRef ds:uri="8d210665-cc30-40de-a1c4-5d90bbb582de"/>
+    <ds:schemaRef ds:uri="http://purl.org/dc/dcmitype/"/>
   </ds:schemaRefs>
 </ds:datastoreItem>
 </file>
@@ -7606,17 +8411,9 @@
 </file>
 
 <file path=customXml/itemProps3.xml><?xml version="1.0" encoding="utf-8"?>
-<ds:datastoreItem xmlns:ds="http://schemas.openxmlformats.org/officeDocument/2006/customXml" ds:itemID="{FF5D3D51-03CC-4736-A35A-7D072B275084}">
+<ds:datastoreItem xmlns:ds="http://schemas.openxmlformats.org/officeDocument/2006/customXml" ds:itemID="{855D325D-3B77-47CA-8757-84DD5741DFBA}">
   <ds:schemaRefs>
-    <ds:schemaRef ds:uri="http://schemas.microsoft.com/office/infopath/2007/PartnerControls"/>
-    <ds:schemaRef ds:uri="http://purl.org/dc/terms/"/>
-    <ds:schemaRef ds:uri="http://www.w3.org/XML/1998/namespace"/>
-    <ds:schemaRef ds:uri="http://purl.org/dc/elements/1.1/"/>
-    <ds:schemaRef ds:uri="http://schemas.microsoft.com/office/2006/metadata/properties"/>
-    <ds:schemaRef ds:uri="http://schemas.microsoft.com/office/2006/documentManagement/types"/>
-    <ds:schemaRef ds:uri="http://schemas.openxmlformats.org/package/2006/metadata/core-properties"/>
-    <ds:schemaRef ds:uri="8d210665-cc30-40de-a1c4-5d90bbb582de"/>
-    <ds:schemaRef ds:uri="http://purl.org/dc/dcmitype/"/>
+    <ds:schemaRef ds:uri="http://schemas.microsoft.com/sharepoint/v3/contenttype/forms"/>
   </ds:schemaRefs>
 </ds:datastoreItem>
 </file>